--- a/Week7/Presentations/MCR2_State_Space_V1.pptx
+++ b/Week7/Presentations/MCR2_State_Space_V1.pptx
@@ -375,7 +375,7 @@
           <a:p>
             <a:fld id="{28E8D346-A915-4882-A510-80C55F2B0290}" type="datetimeFigureOut">
               <a:rPr lang="en-GB" smtClean="0"/>
-              <a:t>20/09/2023</a:t>
+              <a:t>25/09/2023</a:t>
             </a:fld>
             <a:endParaRPr lang="en-GB"/>
           </a:p>
@@ -3388,7 +3388,7 @@
           <a:p>
             <a:fld id="{28E8D346-A915-4882-A510-80C55F2B0290}" type="datetimeFigureOut">
               <a:rPr lang="en-GB" smtClean="0"/>
-              <a:t>20/09/2023</a:t>
+              <a:t>25/09/2023</a:t>
             </a:fld>
             <a:endParaRPr lang="en-GB"/>
           </a:p>
@@ -3869,7 +3869,7 @@
           <a:p>
             <a:fld id="{28E8D346-A915-4882-A510-80C55F2B0290}" type="datetimeFigureOut">
               <a:rPr lang="en-GB" smtClean="0"/>
-              <a:t>20/09/2023</a:t>
+              <a:t>25/09/2023</a:t>
             </a:fld>
             <a:endParaRPr lang="en-GB"/>
           </a:p>
@@ -4192,7 +4192,7 @@
           <a:p>
             <a:fld id="{28E8D346-A915-4882-A510-80C55F2B0290}" type="datetimeFigureOut">
               <a:rPr lang="en-GB" smtClean="0"/>
-              <a:t>20/09/2023</a:t>
+              <a:t>25/09/2023</a:t>
             </a:fld>
             <a:endParaRPr lang="en-GB"/>
           </a:p>
@@ -4685,7 +4685,7 @@
           <a:p>
             <a:fld id="{28E8D346-A915-4882-A510-80C55F2B0290}" type="datetimeFigureOut">
               <a:rPr lang="en-GB" smtClean="0"/>
-              <a:t>20/09/2023</a:t>
+              <a:t>25/09/2023</a:t>
             </a:fld>
             <a:endParaRPr lang="en-GB"/>
           </a:p>
@@ -5204,7 +5204,7 @@
           <a:p>
             <a:fld id="{28E8D346-A915-4882-A510-80C55F2B0290}" type="datetimeFigureOut">
               <a:rPr lang="en-GB" smtClean="0"/>
-              <a:t>20/09/2023</a:t>
+              <a:t>25/09/2023</a:t>
             </a:fld>
             <a:endParaRPr lang="en-GB"/>
           </a:p>
@@ -5699,7 +5699,7 @@
           <a:p>
             <a:fld id="{28E8D346-A915-4882-A510-80C55F2B0290}" type="datetimeFigureOut">
               <a:rPr lang="en-GB" smtClean="0"/>
-              <a:t>20/09/2023</a:t>
+              <a:t>25/09/2023</a:t>
             </a:fld>
             <a:endParaRPr lang="en-GB"/>
           </a:p>
@@ -6306,7 +6306,7 @@
           <a:p>
             <a:fld id="{28E8D346-A915-4882-A510-80C55F2B0290}" type="datetimeFigureOut">
               <a:rPr lang="en-GB" smtClean="0"/>
-              <a:t>20/09/2023</a:t>
+              <a:t>25/09/2023</a:t>
             </a:fld>
             <a:endParaRPr lang="en-GB"/>
           </a:p>
@@ -6801,7 +6801,7 @@
           <a:p>
             <a:fld id="{28E8D346-A915-4882-A510-80C55F2B0290}" type="datetimeFigureOut">
               <a:rPr lang="en-GB" smtClean="0"/>
-              <a:t>20/09/2023</a:t>
+              <a:t>25/09/2023</a:t>
             </a:fld>
             <a:endParaRPr lang="en-GB"/>
           </a:p>
@@ -7564,7 +7564,7 @@
           <a:p>
             <a:fld id="{28E8D346-A915-4882-A510-80C55F2B0290}" type="datetimeFigureOut">
               <a:rPr lang="en-GB" smtClean="0"/>
-              <a:t>20/09/2023</a:t>
+              <a:t>25/09/2023</a:t>
             </a:fld>
             <a:endParaRPr lang="en-GB"/>
           </a:p>
@@ -8215,7 +8215,7 @@
           <a:p>
             <a:fld id="{28E8D346-A915-4882-A510-80C55F2B0290}" type="datetimeFigureOut">
               <a:rPr lang="en-GB" smtClean="0"/>
-              <a:t>20/09/2023</a:t>
+              <a:t>25/09/2023</a:t>
             </a:fld>
             <a:endParaRPr lang="en-GB"/>
           </a:p>
@@ -8594,7 +8594,7 @@
           <a:p>
             <a:fld id="{28E8D346-A915-4882-A510-80C55F2B0290}" type="datetimeFigureOut">
               <a:rPr lang="en-GB" smtClean="0"/>
-              <a:t>20/09/2023</a:t>
+              <a:t>25/09/2023</a:t>
             </a:fld>
             <a:endParaRPr lang="en-GB"/>
           </a:p>
@@ -8861,7 +8861,7 @@
           <a:p>
             <a:fld id="{28E8D346-A915-4882-A510-80C55F2B0290}" type="datetimeFigureOut">
               <a:rPr lang="en-GB" smtClean="0"/>
-              <a:t>20/09/2023</a:t>
+              <a:t>25/09/2023</a:t>
             </a:fld>
             <a:endParaRPr lang="en-GB"/>
           </a:p>
@@ -9434,7 +9434,7 @@
           <a:p>
             <a:fld id="{28E8D346-A915-4882-A510-80C55F2B0290}" type="datetimeFigureOut">
               <a:rPr lang="en-GB" smtClean="0"/>
-              <a:t>20/09/2023</a:t>
+              <a:t>25/09/2023</a:t>
             </a:fld>
             <a:endParaRPr lang="en-GB"/>
           </a:p>
@@ -9678,7 +9678,7 @@
           <a:p>
             <a:fld id="{28E8D346-A915-4882-A510-80C55F2B0290}" type="datetimeFigureOut">
               <a:rPr lang="en-GB" smtClean="0"/>
-              <a:t>20/09/2023</a:t>
+              <a:t>25/09/2023</a:t>
             </a:fld>
             <a:endParaRPr lang="en-GB"/>
           </a:p>
@@ -9864,7 +9864,7 @@
           <a:p>
             <a:fld id="{28E8D346-A915-4882-A510-80C55F2B0290}" type="datetimeFigureOut">
               <a:rPr lang="en-GB" smtClean="0"/>
-              <a:t>20/09/2023</a:t>
+              <a:t>25/09/2023</a:t>
             </a:fld>
             <a:endParaRPr lang="en-GB"/>
           </a:p>
@@ -10162,7 +10162,7 @@
           <a:p>
             <a:fld id="{28E8D346-A915-4882-A510-80C55F2B0290}" type="datetimeFigureOut">
               <a:rPr lang="en-GB" smtClean="0"/>
-              <a:t>20/09/2023</a:t>
+              <a:t>25/09/2023</a:t>
             </a:fld>
             <a:endParaRPr lang="en-GB"/>
           </a:p>
@@ -10597,7 +10597,7 @@
           <a:p>
             <a:fld id="{28E8D346-A915-4882-A510-80C55F2B0290}" type="datetimeFigureOut">
               <a:rPr lang="en-GB" smtClean="0"/>
-              <a:t>20/09/2023</a:t>
+              <a:t>25/09/2023</a:t>
             </a:fld>
             <a:endParaRPr lang="en-GB"/>
           </a:p>
@@ -11070,7 +11070,7 @@
           <a:p>
             <a:fld id="{28E8D346-A915-4882-A510-80C55F2B0290}" type="datetimeFigureOut">
               <a:rPr lang="en-GB" smtClean="0"/>
-              <a:t>20/09/2023</a:t>
+              <a:t>25/09/2023</a:t>
             </a:fld>
             <a:endParaRPr lang="en-GB"/>
           </a:p>
@@ -11523,7 +11523,7 @@
           <a:p>
             <a:fld id="{28E8D346-A915-4882-A510-80C55F2B0290}" type="datetimeFigureOut">
               <a:rPr lang="en-GB" smtClean="0"/>
-              <a:t>20/09/2023</a:t>
+              <a:t>25/09/2023</a:t>
             </a:fld>
             <a:endParaRPr lang="en-GB"/>
           </a:p>
@@ -11747,7 +11747,7 @@
           <a:p>
             <a:fld id="{28E8D346-A915-4882-A510-80C55F2B0290}" type="datetimeFigureOut">
               <a:rPr lang="en-GB" smtClean="0"/>
-              <a:t>20/09/2023</a:t>
+              <a:t>25/09/2023</a:t>
             </a:fld>
             <a:endParaRPr lang="en-GB"/>
           </a:p>
@@ -11973,7 +11973,7 @@
           <a:p>
             <a:fld id="{28E8D346-A915-4882-A510-80C55F2B0290}" type="datetimeFigureOut">
               <a:rPr lang="en-GB" smtClean="0"/>
-              <a:t>20/09/2023</a:t>
+              <a:t>25/09/2023</a:t>
             </a:fld>
             <a:endParaRPr lang="en-GB"/>
           </a:p>
@@ -12199,7 +12199,7 @@
           <a:p>
             <a:fld id="{28E8D346-A915-4882-A510-80C55F2B0290}" type="datetimeFigureOut">
               <a:rPr lang="en-GB" smtClean="0"/>
-              <a:t>20/09/2023</a:t>
+              <a:t>25/09/2023</a:t>
             </a:fld>
             <a:endParaRPr lang="en-GB"/>
           </a:p>
@@ -12347,7 +12347,7 @@
           <a:p>
             <a:fld id="{28E8D346-A915-4882-A510-80C55F2B0290}" type="datetimeFigureOut">
               <a:rPr lang="en-GB" smtClean="0"/>
-              <a:t>20/09/2023</a:t>
+              <a:t>25/09/2023</a:t>
             </a:fld>
             <a:endParaRPr lang="en-GB"/>
           </a:p>
@@ -12741,7 +12741,7 @@
           <a:p>
             <a:fld id="{28E8D346-A915-4882-A510-80C55F2B0290}" type="datetimeFigureOut">
               <a:rPr lang="en-GB" smtClean="0"/>
-              <a:t>20/09/2023</a:t>
+              <a:t>25/09/2023</a:t>
             </a:fld>
             <a:endParaRPr lang="en-GB"/>
           </a:p>
@@ -13298,7 +13298,7 @@
           <a:p>
             <a:fld id="{28E8D346-A915-4882-A510-80C55F2B0290}" type="datetimeFigureOut">
               <a:rPr lang="en-GB" smtClean="0"/>
-              <a:t>20/09/2023</a:t>
+              <a:t>25/09/2023</a:t>
             </a:fld>
             <a:endParaRPr lang="en-GB"/>
           </a:p>
@@ -13804,7 +13804,7 @@
           <a:p>
             <a:fld id="{28E8D346-A915-4882-A510-80C55F2B0290}" type="datetimeFigureOut">
               <a:rPr lang="en-GB" smtClean="0"/>
-              <a:t>20/09/2023</a:t>
+              <a:t>25/09/2023</a:t>
             </a:fld>
             <a:endParaRPr lang="en-GB"/>
           </a:p>
@@ -14202,7 +14202,7 @@
           <a:p>
             <a:fld id="{28E8D346-A915-4882-A510-80C55F2B0290}" type="datetimeFigureOut">
               <a:rPr lang="en-GB" smtClean="0"/>
-              <a:t>20/09/2023</a:t>
+              <a:t>25/09/2023</a:t>
             </a:fld>
             <a:endParaRPr lang="en-GB"/>
           </a:p>
@@ -15070,7 +15070,7 @@
           <a:p>
             <a:fld id="{9D27316D-C409-4712-90E5-1C58F0743890}" type="datetimeFigureOut">
               <a:rPr lang="en-GB" smtClean="0"/>
-              <a:t>20/09/2023</a:t>
+              <a:t>25/09/2023</a:t>
             </a:fld>
             <a:endParaRPr lang="en-GB"/>
           </a:p>
@@ -15599,8 +15599,8 @@
           <a:chExt cx="0" cy="0"/>
         </a:xfrm>
       </p:grpSpPr>
-      <mc:AlternateContent xmlns:mc="http://schemas.openxmlformats.org/markup-compatibility/2006">
-        <mc:Choice xmlns:a14="http://schemas.microsoft.com/office/drawing/2010/main" Requires="a14">
+      <mc:AlternateContent xmlns:mc="http://schemas.openxmlformats.org/markup-compatibility/2006" xmlns:a14="http://schemas.microsoft.com/office/drawing/2010/main">
+        <mc:Choice Requires="a14">
           <p:sp>
             <p:nvSpPr>
               <p:cNvPr id="2" name="Content Placeholder 1">
@@ -15819,7 +15819,7 @@
             </p:txBody>
           </p:sp>
         </mc:Choice>
-        <mc:Fallback>
+        <mc:Fallback xmlns="">
           <p:sp>
             <p:nvSpPr>
               <p:cNvPr id="2" name="Content Placeholder 1">
@@ -15975,8 +15975,8 @@
           </a:p>
         </p:txBody>
       </p:sp>
-      <mc:AlternateContent xmlns:mc="http://schemas.openxmlformats.org/markup-compatibility/2006">
-        <mc:Choice xmlns:a14="http://schemas.microsoft.com/office/drawing/2010/main" Requires="a14">
+      <mc:AlternateContent xmlns:mc="http://schemas.openxmlformats.org/markup-compatibility/2006" xmlns:a14="http://schemas.microsoft.com/office/drawing/2010/main">
+        <mc:Choice Requires="a14">
           <p:graphicFrame>
             <p:nvGraphicFramePr>
               <p:cNvPr id="3" name="Table 7">
@@ -16465,7 +16465,7 @@
             </a:graphic>
           </p:graphicFrame>
         </mc:Choice>
-        <mc:Fallback>
+        <mc:Fallback xmlns="">
           <p:graphicFrame>
             <p:nvGraphicFramePr>
               <p:cNvPr id="3" name="Table 7">
@@ -16563,8 +16563,8 @@
           </p:graphicFrame>
         </mc:Fallback>
       </mc:AlternateContent>
-      <mc:AlternateContent xmlns:mc="http://schemas.openxmlformats.org/markup-compatibility/2006">
-        <mc:Choice xmlns:a14="http://schemas.microsoft.com/office/drawing/2010/main" Requires="a14">
+      <mc:AlternateContent xmlns:mc="http://schemas.openxmlformats.org/markup-compatibility/2006" xmlns:a14="http://schemas.microsoft.com/office/drawing/2010/main">
+        <mc:Choice Requires="a14">
           <p:graphicFrame>
             <p:nvGraphicFramePr>
               <p:cNvPr id="6" name="Table 7">
@@ -16934,7 +16934,7 @@
             </a:graphic>
           </p:graphicFrame>
         </mc:Choice>
-        <mc:Fallback>
+        <mc:Fallback xmlns="">
           <p:graphicFrame>
             <p:nvGraphicFramePr>
               <p:cNvPr id="6" name="Table 7">
@@ -17340,8 +17340,8 @@
           </a:p>
         </p:txBody>
       </p:sp>
-      <mc:AlternateContent xmlns:mc="http://schemas.openxmlformats.org/markup-compatibility/2006">
-        <mc:Choice xmlns:a14="http://schemas.microsoft.com/office/drawing/2010/main" Requires="a14">
+      <mc:AlternateContent xmlns:mc="http://schemas.openxmlformats.org/markup-compatibility/2006" xmlns:a14="http://schemas.microsoft.com/office/drawing/2010/main">
+        <mc:Choice Requires="a14">
           <p:graphicFrame>
             <p:nvGraphicFramePr>
               <p:cNvPr id="3" name="Table 7">
@@ -17534,7 +17534,7 @@
             </a:graphic>
           </p:graphicFrame>
         </mc:Choice>
-        <mc:Fallback>
+        <mc:Fallback xmlns="">
           <p:graphicFrame>
             <p:nvGraphicFramePr>
               <p:cNvPr id="3" name="Table 7">
@@ -17632,8 +17632,8 @@
           </p:graphicFrame>
         </mc:Fallback>
       </mc:AlternateContent>
-      <mc:AlternateContent xmlns:mc="http://schemas.openxmlformats.org/markup-compatibility/2006">
-        <mc:Choice xmlns:a14="http://schemas.microsoft.com/office/drawing/2010/main" Requires="a14">
+      <mc:AlternateContent xmlns:mc="http://schemas.openxmlformats.org/markup-compatibility/2006" xmlns:a14="http://schemas.microsoft.com/office/drawing/2010/main">
+        <mc:Choice Requires="a14">
           <p:graphicFrame>
             <p:nvGraphicFramePr>
               <p:cNvPr id="8" name="Table 7">
@@ -18319,7 +18319,7 @@
             </a:graphic>
           </p:graphicFrame>
         </mc:Choice>
-        <mc:Fallback>
+        <mc:Fallback xmlns="">
           <p:graphicFrame>
             <p:nvGraphicFramePr>
               <p:cNvPr id="8" name="Table 7">
@@ -18462,8 +18462,8 @@
           </p:graphicFrame>
         </mc:Fallback>
       </mc:AlternateContent>
-      <mc:AlternateContent xmlns:mc="http://schemas.openxmlformats.org/markup-compatibility/2006">
-        <mc:Choice xmlns:a14="http://schemas.microsoft.com/office/drawing/2010/main" Requires="a14">
+      <mc:AlternateContent xmlns:mc="http://schemas.openxmlformats.org/markup-compatibility/2006" xmlns:a14="http://schemas.microsoft.com/office/drawing/2010/main">
+        <mc:Choice Requires="a14">
           <p:graphicFrame>
             <p:nvGraphicFramePr>
               <p:cNvPr id="9" name="Table 7">
@@ -18814,7 +18814,7 @@
             </a:graphic>
           </p:graphicFrame>
         </mc:Choice>
-        <mc:Fallback>
+        <mc:Fallback xmlns="">
           <p:graphicFrame>
             <p:nvGraphicFramePr>
               <p:cNvPr id="9" name="Table 7">
@@ -18942,8 +18942,8 @@
           <a:chExt cx="0" cy="0"/>
         </a:xfrm>
       </p:grpSpPr>
-      <mc:AlternateContent xmlns:mc="http://schemas.openxmlformats.org/markup-compatibility/2006">
-        <mc:Choice xmlns:a14="http://schemas.microsoft.com/office/drawing/2010/main" Requires="a14">
+      <mc:AlternateContent xmlns:mc="http://schemas.openxmlformats.org/markup-compatibility/2006" xmlns:a14="http://schemas.microsoft.com/office/drawing/2010/main">
+        <mc:Choice Requires="a14">
           <p:sp>
             <p:nvSpPr>
               <p:cNvPr id="2" name="Content Placeholder 1">
@@ -19120,7 +19120,7 @@
             </p:txBody>
           </p:sp>
         </mc:Choice>
-        <mc:Fallback>
+        <mc:Fallback xmlns="">
           <p:sp>
             <p:nvSpPr>
               <p:cNvPr id="2" name="Content Placeholder 1">
@@ -19276,8 +19276,8 @@
           </a:p>
         </p:txBody>
       </p:sp>
-      <mc:AlternateContent xmlns:mc="http://schemas.openxmlformats.org/markup-compatibility/2006">
-        <mc:Choice xmlns:a14="http://schemas.microsoft.com/office/drawing/2010/main" Requires="a14">
+      <mc:AlternateContent xmlns:mc="http://schemas.openxmlformats.org/markup-compatibility/2006" xmlns:a14="http://schemas.microsoft.com/office/drawing/2010/main">
+        <mc:Choice Requires="a14">
           <p:graphicFrame>
             <p:nvGraphicFramePr>
               <p:cNvPr id="3" name="Table 7">
@@ -19596,7 +19596,7 @@
             </a:graphic>
           </p:graphicFrame>
         </mc:Choice>
-        <mc:Fallback>
+        <mc:Fallback xmlns="">
           <p:graphicFrame>
             <p:nvGraphicFramePr>
               <p:cNvPr id="3" name="Table 7">
@@ -19694,8 +19694,8 @@
           </p:graphicFrame>
         </mc:Fallback>
       </mc:AlternateContent>
-      <mc:AlternateContent xmlns:mc="http://schemas.openxmlformats.org/markup-compatibility/2006">
-        <mc:Choice xmlns:a14="http://schemas.microsoft.com/office/drawing/2010/main" Requires="a14">
+      <mc:AlternateContent xmlns:mc="http://schemas.openxmlformats.org/markup-compatibility/2006" xmlns:a14="http://schemas.microsoft.com/office/drawing/2010/main">
+        <mc:Choice Requires="a14">
           <p:graphicFrame>
             <p:nvGraphicFramePr>
               <p:cNvPr id="6" name="Table 7">
@@ -20204,7 +20204,7 @@
             </a:graphic>
           </p:graphicFrame>
         </mc:Choice>
-        <mc:Fallback>
+        <mc:Fallback xmlns="">
           <p:graphicFrame>
             <p:nvGraphicFramePr>
               <p:cNvPr id="6" name="Table 7">
@@ -20302,8 +20302,8 @@
           </p:graphicFrame>
         </mc:Fallback>
       </mc:AlternateContent>
-      <mc:AlternateContent xmlns:mc="http://schemas.openxmlformats.org/markup-compatibility/2006">
-        <mc:Choice xmlns:a14="http://schemas.microsoft.com/office/drawing/2010/main" Requires="a14">
+      <mc:AlternateContent xmlns:mc="http://schemas.openxmlformats.org/markup-compatibility/2006" xmlns:a14="http://schemas.microsoft.com/office/drawing/2010/main">
+        <mc:Choice Requires="a14">
           <p:graphicFrame>
             <p:nvGraphicFramePr>
               <p:cNvPr id="8" name="Table 7">
@@ -20931,7 +20931,7 @@
             </a:graphic>
           </p:graphicFrame>
         </mc:Choice>
-        <mc:Fallback>
+        <mc:Fallback xmlns="">
           <p:graphicFrame>
             <p:nvGraphicFramePr>
               <p:cNvPr id="8" name="Table 7">
@@ -21342,8 +21342,8 @@
           </a:p>
         </p:txBody>
       </p:sp>
-      <mc:AlternateContent xmlns:mc="http://schemas.openxmlformats.org/markup-compatibility/2006">
-        <mc:Choice xmlns:a14="http://schemas.microsoft.com/office/drawing/2010/main" Requires="a14">
+      <mc:AlternateContent xmlns:mc="http://schemas.openxmlformats.org/markup-compatibility/2006" xmlns:a14="http://schemas.microsoft.com/office/drawing/2010/main">
+        <mc:Choice Requires="a14">
           <p:graphicFrame>
             <p:nvGraphicFramePr>
               <p:cNvPr id="12" name="Table 7">
@@ -21697,7 +21697,7 @@
             </a:graphic>
           </p:graphicFrame>
         </mc:Choice>
-        <mc:Fallback>
+        <mc:Fallback xmlns="">
           <p:graphicFrame>
             <p:nvGraphicFramePr>
               <p:cNvPr id="12" name="Table 7">
@@ -22265,8 +22265,8 @@
           <a:chExt cx="0" cy="0"/>
         </a:xfrm>
       </p:grpSpPr>
-      <mc:AlternateContent xmlns:mc="http://schemas.openxmlformats.org/markup-compatibility/2006">
-        <mc:Choice xmlns:a14="http://schemas.microsoft.com/office/drawing/2010/main" Requires="a14">
+      <mc:AlternateContent xmlns:mc="http://schemas.openxmlformats.org/markup-compatibility/2006" xmlns:a14="http://schemas.microsoft.com/office/drawing/2010/main">
+        <mc:Choice Requires="a14">
           <p:sp>
             <p:nvSpPr>
               <p:cNvPr id="2" name="Content Placeholder 1">
@@ -22540,7 +22540,7 @@
             </p:txBody>
           </p:sp>
         </mc:Choice>
-        <mc:Fallback>
+        <mc:Fallback xmlns="">
           <p:sp>
             <p:nvSpPr>
               <p:cNvPr id="2" name="Content Placeholder 1">
@@ -22925,8 +22925,8 @@
           </a:p>
         </p:txBody>
       </p:sp>
-      <mc:AlternateContent xmlns:mc="http://schemas.openxmlformats.org/markup-compatibility/2006">
-        <mc:Choice xmlns:a14="http://schemas.microsoft.com/office/drawing/2010/main" Requires="a14">
+      <mc:AlternateContent xmlns:mc="http://schemas.openxmlformats.org/markup-compatibility/2006" xmlns:a14="http://schemas.microsoft.com/office/drawing/2010/main">
+        <mc:Choice Requires="a14">
           <p:graphicFrame>
             <p:nvGraphicFramePr>
               <p:cNvPr id="13" name="Table 12">
@@ -23378,7 +23378,7 @@
             </a:graphic>
           </p:graphicFrame>
         </mc:Choice>
-        <mc:Fallback>
+        <mc:Fallback xmlns="">
           <p:graphicFrame>
             <p:nvGraphicFramePr>
               <p:cNvPr id="13" name="Table 12">
@@ -23545,8 +23545,8 @@
           <a:chExt cx="0" cy="0"/>
         </a:xfrm>
       </p:grpSpPr>
-      <mc:AlternateContent xmlns:mc="http://schemas.openxmlformats.org/markup-compatibility/2006">
-        <mc:Choice xmlns:a14="http://schemas.microsoft.com/office/drawing/2010/main" Requires="a14">
+      <mc:AlternateContent xmlns:mc="http://schemas.openxmlformats.org/markup-compatibility/2006" xmlns:a14="http://schemas.microsoft.com/office/drawing/2010/main">
+        <mc:Choice Requires="a14">
           <p:sp>
             <p:nvSpPr>
               <p:cNvPr id="2" name="Content Placeholder 1">
@@ -23636,22 +23636,30 @@
                 <a14:m>
                   <m:oMath xmlns:m="http://schemas.openxmlformats.org/officeDocument/2006/math">
                     <m:r>
-                      <a:rPr lang="en-US" sz="1600"/>
+                      <a:rPr lang="en-US" sz="1600">
+                        <a:latin typeface="Cambria Math" panose="02040503050406030204" pitchFamily="18" charset="0"/>
+                      </a:rPr>
                       <m:t>𝐴</m:t>
                     </m:r>
                     <m:r>
-                      <a:rPr lang="en-US" sz="1600"/>
+                      <a:rPr lang="en-US" sz="1600">
+                        <a:latin typeface="Cambria Math" panose="02040503050406030204" pitchFamily="18" charset="0"/>
+                      </a:rPr>
                       <m:t>∈</m:t>
                     </m:r>
                     <m:sSup>
                       <m:sSupPr>
                         <m:ctrlPr>
-                          <a:rPr lang="en-US" sz="1600"/>
+                          <a:rPr lang="en-US" sz="1600" i="1">
+                            <a:latin typeface="Cambria Math" panose="02040503050406030204" pitchFamily="18" charset="0"/>
+                          </a:rPr>
                         </m:ctrlPr>
                       </m:sSupPr>
                       <m:e>
                         <m:r>
-                          <a:rPr lang="en-US" sz="1600"/>
+                          <a:rPr lang="en-US" sz="1600">
+                            <a:latin typeface="Cambria Math" panose="02040503050406030204" pitchFamily="18" charset="0"/>
+                          </a:rPr>
                           <m:t>ℝ</m:t>
                         </m:r>
                       </m:e>
@@ -23659,41 +23667,55 @@
                         <m:sSub>
                           <m:sSubPr>
                             <m:ctrlPr>
-                              <a:rPr lang="en-US" sz="1600"/>
+                              <a:rPr lang="en-US" sz="1600" i="1">
+                                <a:latin typeface="Cambria Math" panose="02040503050406030204" pitchFamily="18" charset="0"/>
+                              </a:rPr>
                             </m:ctrlPr>
                           </m:sSubPr>
                           <m:e>
                             <m:r>
-                              <a:rPr lang="en-US" sz="1600"/>
+                              <a:rPr lang="en-US" sz="1600">
+                                <a:latin typeface="Cambria Math" panose="02040503050406030204" pitchFamily="18" charset="0"/>
+                              </a:rPr>
                               <m:t>𝑛</m:t>
                             </m:r>
                           </m:e>
                           <m:sub>
                             <m:r>
-                              <a:rPr lang="en-US" sz="1600"/>
+                              <a:rPr lang="en-US" sz="1600">
+                                <a:latin typeface="Cambria Math" panose="02040503050406030204" pitchFamily="18" charset="0"/>
+                              </a:rPr>
                               <m:t>𝑥</m:t>
                             </m:r>
                           </m:sub>
                         </m:sSub>
                         <m:r>
-                          <a:rPr lang="en-US" sz="1600"/>
+                          <a:rPr lang="en-US" sz="1600">
+                            <a:latin typeface="Cambria Math" panose="02040503050406030204" pitchFamily="18" charset="0"/>
+                          </a:rPr>
                           <m:t>×</m:t>
                         </m:r>
                         <m:sSub>
                           <m:sSubPr>
                             <m:ctrlPr>
-                              <a:rPr lang="en-US" sz="1600"/>
+                              <a:rPr lang="en-US" sz="1600" i="1">
+                                <a:latin typeface="Cambria Math" panose="02040503050406030204" pitchFamily="18" charset="0"/>
+                              </a:rPr>
                             </m:ctrlPr>
                           </m:sSubPr>
                           <m:e>
                             <m:r>
-                              <a:rPr lang="en-US" sz="1600"/>
+                              <a:rPr lang="en-US" sz="1600">
+                                <a:latin typeface="Cambria Math" panose="02040503050406030204" pitchFamily="18" charset="0"/>
+                              </a:rPr>
                               <m:t>𝑛</m:t>
                             </m:r>
                           </m:e>
                           <m:sub>
                             <m:r>
-                              <a:rPr lang="en-US" sz="1600"/>
+                              <a:rPr lang="en-US" sz="1600">
+                                <a:latin typeface="Cambria Math" panose="02040503050406030204" pitchFamily="18" charset="0"/>
+                              </a:rPr>
                               <m:t>𝑥</m:t>
                             </m:r>
                           </m:sub>
@@ -23709,22 +23731,30 @@
                 <a14:m>
                   <m:oMath xmlns:m="http://schemas.openxmlformats.org/officeDocument/2006/math">
                     <m:r>
-                      <a:rPr lang="en-US" sz="1600"/>
+                      <a:rPr lang="en-US" sz="1600">
+                        <a:latin typeface="Cambria Math" panose="02040503050406030204" pitchFamily="18" charset="0"/>
+                      </a:rPr>
                       <m:t>𝐵</m:t>
                     </m:r>
                     <m:r>
-                      <a:rPr lang="en-US" sz="1600"/>
+                      <a:rPr lang="en-US" sz="1600">
+                        <a:latin typeface="Cambria Math" panose="02040503050406030204" pitchFamily="18" charset="0"/>
+                      </a:rPr>
                       <m:t>∈</m:t>
                     </m:r>
                     <m:sSup>
                       <m:sSupPr>
                         <m:ctrlPr>
-                          <a:rPr lang="en-US" sz="1600"/>
+                          <a:rPr lang="en-US" sz="1600" i="1">
+                            <a:latin typeface="Cambria Math" panose="02040503050406030204" pitchFamily="18" charset="0"/>
+                          </a:rPr>
                         </m:ctrlPr>
                       </m:sSupPr>
                       <m:e>
                         <m:r>
-                          <a:rPr lang="en-US" sz="1600"/>
+                          <a:rPr lang="en-US" sz="1600">
+                            <a:latin typeface="Cambria Math" panose="02040503050406030204" pitchFamily="18" charset="0"/>
+                          </a:rPr>
                           <m:t>ℝ</m:t>
                         </m:r>
                       </m:e>
@@ -23732,41 +23762,55 @@
                         <m:sSub>
                           <m:sSubPr>
                             <m:ctrlPr>
-                              <a:rPr lang="en-US" sz="1600"/>
+                              <a:rPr lang="en-US" sz="1600" i="1">
+                                <a:latin typeface="Cambria Math" panose="02040503050406030204" pitchFamily="18" charset="0"/>
+                              </a:rPr>
                             </m:ctrlPr>
                           </m:sSubPr>
                           <m:e>
                             <m:r>
-                              <a:rPr lang="en-US" sz="1600"/>
+                              <a:rPr lang="en-US" sz="1600">
+                                <a:latin typeface="Cambria Math" panose="02040503050406030204" pitchFamily="18" charset="0"/>
+                              </a:rPr>
                               <m:t>𝑛</m:t>
                             </m:r>
                           </m:e>
                           <m:sub>
                             <m:r>
-                              <a:rPr lang="en-US" sz="1600"/>
+                              <a:rPr lang="en-US" sz="1600">
+                                <a:latin typeface="Cambria Math" panose="02040503050406030204" pitchFamily="18" charset="0"/>
+                              </a:rPr>
                               <m:t>𝑥</m:t>
                             </m:r>
                           </m:sub>
                         </m:sSub>
                         <m:r>
-                          <a:rPr lang="en-US" sz="1600"/>
+                          <a:rPr lang="en-US" sz="1600">
+                            <a:latin typeface="Cambria Math" panose="02040503050406030204" pitchFamily="18" charset="0"/>
+                          </a:rPr>
                           <m:t>×</m:t>
                         </m:r>
                         <m:sSub>
                           <m:sSubPr>
                             <m:ctrlPr>
-                              <a:rPr lang="en-US" sz="1600"/>
+                              <a:rPr lang="en-US" sz="1600" i="1">
+                                <a:latin typeface="Cambria Math" panose="02040503050406030204" pitchFamily="18" charset="0"/>
+                              </a:rPr>
                             </m:ctrlPr>
                           </m:sSubPr>
                           <m:e>
                             <m:r>
-                              <a:rPr lang="en-US" sz="1600"/>
+                              <a:rPr lang="en-US" sz="1600">
+                                <a:latin typeface="Cambria Math" panose="02040503050406030204" pitchFamily="18" charset="0"/>
+                              </a:rPr>
                               <m:t>𝑛</m:t>
                             </m:r>
                           </m:e>
                           <m:sub>
                             <m:r>
-                              <a:rPr lang="en-US" sz="1600"/>
+                              <a:rPr lang="en-US" sz="1600">
+                                <a:latin typeface="Cambria Math" panose="02040503050406030204" pitchFamily="18" charset="0"/>
+                              </a:rPr>
                               <m:t>𝑢</m:t>
                             </m:r>
                           </m:sub>
@@ -23782,22 +23826,30 @@
                 <a14:m>
                   <m:oMath xmlns:m="http://schemas.openxmlformats.org/officeDocument/2006/math">
                     <m:r>
-                      <a:rPr lang="en-US" sz="1600"/>
+                      <a:rPr lang="en-US" sz="1600">
+                        <a:latin typeface="Cambria Math" panose="02040503050406030204" pitchFamily="18" charset="0"/>
+                      </a:rPr>
                       <m:t>𝐶</m:t>
                     </m:r>
                     <m:r>
-                      <a:rPr lang="en-US" sz="1600"/>
+                      <a:rPr lang="en-US" sz="1600">
+                        <a:latin typeface="Cambria Math" panose="02040503050406030204" pitchFamily="18" charset="0"/>
+                      </a:rPr>
                       <m:t>∈</m:t>
                     </m:r>
                     <m:sSup>
                       <m:sSupPr>
                         <m:ctrlPr>
-                          <a:rPr lang="en-US" sz="1600"/>
+                          <a:rPr lang="en-US" sz="1600" i="1">
+                            <a:latin typeface="Cambria Math" panose="02040503050406030204" pitchFamily="18" charset="0"/>
+                          </a:rPr>
                         </m:ctrlPr>
                       </m:sSupPr>
                       <m:e>
                         <m:r>
-                          <a:rPr lang="en-US" sz="1600"/>
+                          <a:rPr lang="en-US" sz="1600">
+                            <a:latin typeface="Cambria Math" panose="02040503050406030204" pitchFamily="18" charset="0"/>
+                          </a:rPr>
                           <m:t>ℝ</m:t>
                         </m:r>
                       </m:e>
@@ -23805,41 +23857,55 @@
                         <m:sSub>
                           <m:sSubPr>
                             <m:ctrlPr>
-                              <a:rPr lang="en-US" sz="1600"/>
+                              <a:rPr lang="en-US" sz="1600" i="1">
+                                <a:latin typeface="Cambria Math" panose="02040503050406030204" pitchFamily="18" charset="0"/>
+                              </a:rPr>
                             </m:ctrlPr>
                           </m:sSubPr>
                           <m:e>
                             <m:r>
-                              <a:rPr lang="en-US" sz="1600"/>
+                              <a:rPr lang="en-US" sz="1600">
+                                <a:latin typeface="Cambria Math" panose="02040503050406030204" pitchFamily="18" charset="0"/>
+                              </a:rPr>
                               <m:t>𝑛</m:t>
                             </m:r>
                           </m:e>
                           <m:sub>
                             <m:r>
-                              <a:rPr lang="en-US" sz="1600"/>
+                              <a:rPr lang="en-US" sz="1600">
+                                <a:latin typeface="Cambria Math" panose="02040503050406030204" pitchFamily="18" charset="0"/>
+                              </a:rPr>
                               <m:t>𝑦</m:t>
                             </m:r>
                           </m:sub>
                         </m:sSub>
                         <m:r>
-                          <a:rPr lang="en-US" sz="1600"/>
+                          <a:rPr lang="en-US" sz="1600">
+                            <a:latin typeface="Cambria Math" panose="02040503050406030204" pitchFamily="18" charset="0"/>
+                          </a:rPr>
                           <m:t>×</m:t>
                         </m:r>
                         <m:sSub>
                           <m:sSubPr>
                             <m:ctrlPr>
-                              <a:rPr lang="en-US" sz="1600"/>
+                              <a:rPr lang="en-US" sz="1600" i="1">
+                                <a:latin typeface="Cambria Math" panose="02040503050406030204" pitchFamily="18" charset="0"/>
+                              </a:rPr>
                             </m:ctrlPr>
                           </m:sSubPr>
                           <m:e>
                             <m:r>
-                              <a:rPr lang="en-US" sz="1600"/>
+                              <a:rPr lang="en-US" sz="1600">
+                                <a:latin typeface="Cambria Math" panose="02040503050406030204" pitchFamily="18" charset="0"/>
+                              </a:rPr>
                               <m:t>𝑛</m:t>
                             </m:r>
                           </m:e>
                           <m:sub>
                             <m:r>
-                              <a:rPr lang="en-US" sz="1600"/>
+                              <a:rPr lang="en-US" sz="1600">
+                                <a:latin typeface="Cambria Math" panose="02040503050406030204" pitchFamily="18" charset="0"/>
+                              </a:rPr>
                               <m:t>𝑥</m:t>
                             </m:r>
                           </m:sub>
@@ -23855,22 +23921,30 @@
                 <a14:m>
                   <m:oMath xmlns:m="http://schemas.openxmlformats.org/officeDocument/2006/math">
                     <m:r>
-                      <a:rPr lang="en-US" sz="1600"/>
+                      <a:rPr lang="en-US" sz="1600">
+                        <a:latin typeface="Cambria Math" panose="02040503050406030204" pitchFamily="18" charset="0"/>
+                      </a:rPr>
                       <m:t>𝐷</m:t>
                     </m:r>
                     <m:r>
-                      <a:rPr lang="en-US" sz="1600"/>
+                      <a:rPr lang="en-US" sz="1600">
+                        <a:latin typeface="Cambria Math" panose="02040503050406030204" pitchFamily="18" charset="0"/>
+                      </a:rPr>
                       <m:t>∈</m:t>
                     </m:r>
                     <m:sSup>
                       <m:sSupPr>
                         <m:ctrlPr>
-                          <a:rPr lang="en-US" sz="1600"/>
+                          <a:rPr lang="en-US" sz="1600" i="1">
+                            <a:latin typeface="Cambria Math" panose="02040503050406030204" pitchFamily="18" charset="0"/>
+                          </a:rPr>
                         </m:ctrlPr>
                       </m:sSupPr>
                       <m:e>
                         <m:r>
-                          <a:rPr lang="en-US" sz="1600"/>
+                          <a:rPr lang="en-US" sz="1600">
+                            <a:latin typeface="Cambria Math" panose="02040503050406030204" pitchFamily="18" charset="0"/>
+                          </a:rPr>
                           <m:t>ℝ</m:t>
                         </m:r>
                       </m:e>
@@ -23878,41 +23952,55 @@
                         <m:sSub>
                           <m:sSubPr>
                             <m:ctrlPr>
-                              <a:rPr lang="en-US" sz="1600"/>
+                              <a:rPr lang="en-US" sz="1600" i="1">
+                                <a:latin typeface="Cambria Math" panose="02040503050406030204" pitchFamily="18" charset="0"/>
+                              </a:rPr>
                             </m:ctrlPr>
                           </m:sSubPr>
                           <m:e>
                             <m:r>
-                              <a:rPr lang="en-US" sz="1600"/>
+                              <a:rPr lang="en-US" sz="1600">
+                                <a:latin typeface="Cambria Math" panose="02040503050406030204" pitchFamily="18" charset="0"/>
+                              </a:rPr>
                               <m:t>𝑛</m:t>
                             </m:r>
                           </m:e>
                           <m:sub>
                             <m:r>
-                              <a:rPr lang="en-US" sz="1600"/>
+                              <a:rPr lang="en-US" sz="1600">
+                                <a:latin typeface="Cambria Math" panose="02040503050406030204" pitchFamily="18" charset="0"/>
+                              </a:rPr>
                               <m:t>𝑦</m:t>
                             </m:r>
                           </m:sub>
                         </m:sSub>
                         <m:r>
-                          <a:rPr lang="en-US" sz="1600"/>
+                          <a:rPr lang="en-US" sz="1600">
+                            <a:latin typeface="Cambria Math" panose="02040503050406030204" pitchFamily="18" charset="0"/>
+                          </a:rPr>
                           <m:t>×</m:t>
                         </m:r>
                         <m:sSub>
                           <m:sSubPr>
                             <m:ctrlPr>
-                              <a:rPr lang="en-US" sz="1600"/>
+                              <a:rPr lang="en-US" sz="1600" i="1">
+                                <a:latin typeface="Cambria Math" panose="02040503050406030204" pitchFamily="18" charset="0"/>
+                              </a:rPr>
                             </m:ctrlPr>
                           </m:sSubPr>
                           <m:e>
                             <m:r>
-                              <a:rPr lang="en-US" sz="1600"/>
+                              <a:rPr lang="en-US" sz="1600">
+                                <a:latin typeface="Cambria Math" panose="02040503050406030204" pitchFamily="18" charset="0"/>
+                              </a:rPr>
                               <m:t>𝑛</m:t>
                             </m:r>
                           </m:e>
                           <m:sub>
                             <m:r>
-                              <a:rPr lang="en-US" sz="1600"/>
+                              <a:rPr lang="en-US" sz="1600">
+                                <a:latin typeface="Cambria Math" panose="02040503050406030204" pitchFamily="18" charset="0"/>
+                              </a:rPr>
                               <m:t>𝑢</m:t>
                             </m:r>
                           </m:sub>
@@ -23993,7 +24081,7 @@
             </p:txBody>
           </p:sp>
         </mc:Choice>
-        <mc:Fallback>
+        <mc:Fallback xmlns="">
           <p:sp>
             <p:nvSpPr>
               <p:cNvPr id="2" name="Content Placeholder 1">
@@ -24280,8 +24368,8 @@
           </a:p>
         </p:txBody>
       </p:sp>
-      <mc:AlternateContent xmlns:mc="http://schemas.openxmlformats.org/markup-compatibility/2006">
-        <mc:Choice xmlns:a14="http://schemas.microsoft.com/office/drawing/2010/main" Requires="a14">
+      <mc:AlternateContent xmlns:mc="http://schemas.openxmlformats.org/markup-compatibility/2006" xmlns:a14="http://schemas.microsoft.com/office/drawing/2010/main">
+        <mc:Choice Requires="a14">
           <p:sp>
             <p:nvSpPr>
               <p:cNvPr id="10" name="Content Placeholder 9">
@@ -24348,39 +24436,57 @@
                 <a14:m>
                   <m:oMath xmlns:m="http://schemas.openxmlformats.org/officeDocument/2006/math">
                     <m:r>
-                      <a:rPr lang="en-GB" sz="5600" dirty="0"/>
+                      <a:rPr lang="en-GB" sz="5600" dirty="0">
+                        <a:latin typeface="Cambria Math" panose="02040503050406030204" pitchFamily="18" charset="0"/>
+                      </a:rPr>
                       <m:t>(</m:t>
                     </m:r>
                     <m:r>
-                      <a:rPr lang="en-GB" sz="5600" dirty="0"/>
+                      <a:rPr lang="en-GB" sz="5600" dirty="0">
+                        <a:latin typeface="Cambria Math" panose="02040503050406030204" pitchFamily="18" charset="0"/>
+                      </a:rPr>
                       <m:t>𝐴</m:t>
                     </m:r>
                     <m:r>
-                      <a:rPr lang="en-GB" sz="5600" dirty="0"/>
+                      <a:rPr lang="en-GB" sz="5600" dirty="0">
+                        <a:latin typeface="Cambria Math" panose="02040503050406030204" pitchFamily="18" charset="0"/>
+                      </a:rPr>
                       <m:t>, </m:t>
                     </m:r>
                     <m:r>
-                      <a:rPr lang="en-GB" sz="5600" dirty="0"/>
+                      <a:rPr lang="en-GB" sz="5600" dirty="0">
+                        <a:latin typeface="Cambria Math" panose="02040503050406030204" pitchFamily="18" charset="0"/>
+                      </a:rPr>
                       <m:t>𝐵</m:t>
                     </m:r>
                     <m:r>
-                      <a:rPr lang="en-GB" sz="5600" dirty="0"/>
+                      <a:rPr lang="en-GB" sz="5600" dirty="0">
+                        <a:latin typeface="Cambria Math" panose="02040503050406030204" pitchFamily="18" charset="0"/>
+                      </a:rPr>
                       <m:t>, </m:t>
                     </m:r>
                     <m:r>
-                      <a:rPr lang="en-GB" sz="5600" dirty="0"/>
+                      <a:rPr lang="en-GB" sz="5600" dirty="0">
+                        <a:latin typeface="Cambria Math" panose="02040503050406030204" pitchFamily="18" charset="0"/>
+                      </a:rPr>
                       <m:t>𝐶</m:t>
                     </m:r>
                     <m:r>
-                      <a:rPr lang="en-GB" sz="5600" dirty="0"/>
+                      <a:rPr lang="en-GB" sz="5600" dirty="0">
+                        <a:latin typeface="Cambria Math" panose="02040503050406030204" pitchFamily="18" charset="0"/>
+                      </a:rPr>
                       <m:t>, </m:t>
                     </m:r>
                     <m:r>
-                      <a:rPr lang="en-GB" sz="5600" dirty="0"/>
+                      <a:rPr lang="en-GB" sz="5600" dirty="0">
+                        <a:latin typeface="Cambria Math" panose="02040503050406030204" pitchFamily="18" charset="0"/>
+                      </a:rPr>
                       <m:t>𝐷</m:t>
                     </m:r>
                     <m:r>
-                      <a:rPr lang="en-GB" sz="5600" dirty="0" smtClean="0"/>
+                      <a:rPr lang="en-GB" sz="5600" dirty="0" smtClean="0">
+                        <a:latin typeface="Cambria Math" panose="02040503050406030204" pitchFamily="18" charset="0"/>
+                      </a:rPr>
                       <m:t>)</m:t>
                     </m:r>
                   </m:oMath>
@@ -24408,47 +24514,63 @@
                     <m:sSub>
                       <m:sSubPr>
                         <m:ctrlPr>
-                          <a:rPr lang="en-US" sz="5600"/>
+                          <a:rPr lang="en-US" sz="5600" i="1">
+                            <a:latin typeface="Cambria Math" panose="02040503050406030204" pitchFamily="18" charset="0"/>
+                          </a:rPr>
                         </m:ctrlPr>
                       </m:sSubPr>
                       <m:e>
                         <m:r>
-                          <a:rPr lang="en-US" sz="5600"/>
+                          <a:rPr lang="en-US" sz="5600">
+                            <a:latin typeface="Cambria Math" panose="02040503050406030204" pitchFamily="18" charset="0"/>
+                          </a:rPr>
                           <m:t>𝑛</m:t>
                         </m:r>
                       </m:e>
                       <m:sub>
                         <m:r>
-                          <a:rPr lang="en-US" sz="5600"/>
+                          <a:rPr lang="en-US" sz="5600">
+                            <a:latin typeface="Cambria Math" panose="02040503050406030204" pitchFamily="18" charset="0"/>
+                          </a:rPr>
                           <m:t>𝑢</m:t>
                         </m:r>
                       </m:sub>
                     </m:sSub>
                     <m:r>
-                      <a:rPr lang="en-US" sz="5600"/>
+                      <a:rPr lang="en-US" sz="5600">
+                        <a:latin typeface="Cambria Math" panose="02040503050406030204" pitchFamily="18" charset="0"/>
+                      </a:rPr>
                       <m:t>=</m:t>
                     </m:r>
                     <m:sSub>
                       <m:sSubPr>
                         <m:ctrlPr>
-                          <a:rPr lang="en-US" sz="5600"/>
+                          <a:rPr lang="en-US" sz="5600" i="1">
+                            <a:latin typeface="Cambria Math" panose="02040503050406030204" pitchFamily="18" charset="0"/>
+                          </a:rPr>
                         </m:ctrlPr>
                       </m:sSubPr>
                       <m:e>
                         <m:r>
-                          <a:rPr lang="en-US" sz="5600"/>
+                          <a:rPr lang="en-US" sz="5600">
+                            <a:latin typeface="Cambria Math" panose="02040503050406030204" pitchFamily="18" charset="0"/>
+                          </a:rPr>
                           <m:t>𝑛</m:t>
                         </m:r>
                       </m:e>
                       <m:sub>
                         <m:r>
-                          <a:rPr lang="en-US" sz="5600"/>
+                          <a:rPr lang="en-US" sz="5600">
+                            <a:latin typeface="Cambria Math" panose="02040503050406030204" pitchFamily="18" charset="0"/>
+                          </a:rPr>
                           <m:t>𝑦</m:t>
                         </m:r>
                       </m:sub>
                     </m:sSub>
                     <m:r>
-                      <a:rPr lang="en-US" sz="5600"/>
+                      <a:rPr lang="en-US" sz="5600">
+                        <a:latin typeface="Cambria Math" panose="02040503050406030204" pitchFamily="18" charset="0"/>
+                      </a:rPr>
                       <m:t>=1</m:t>
                     </m:r>
                   </m:oMath>
@@ -24460,7 +24582,9 @@
                 <a14:m>
                   <m:oMath xmlns:m="http://schemas.openxmlformats.org/officeDocument/2006/math">
                     <m:r>
-                      <a:rPr lang="en-US" sz="5600" dirty="0"/>
+                      <a:rPr lang="en-US" sz="5600" dirty="0">
+                        <a:latin typeface="Cambria Math" panose="02040503050406030204" pitchFamily="18" charset="0"/>
+                      </a:rPr>
                       <m:t>𝐵</m:t>
                     </m:r>
                   </m:oMath>
@@ -24472,7 +24596,9 @@
                 <a14:m>
                   <m:oMath xmlns:m="http://schemas.openxmlformats.org/officeDocument/2006/math">
                     <m:r>
-                      <a:rPr lang="en-US" sz="5600" dirty="0"/>
+                      <a:rPr lang="en-US" sz="5600" dirty="0">
+                        <a:latin typeface="Cambria Math" panose="02040503050406030204" pitchFamily="18" charset="0"/>
+                      </a:rPr>
                       <m:t>𝐶</m:t>
                     </m:r>
                   </m:oMath>
@@ -24484,7 +24610,9 @@
                 <a14:m>
                   <m:oMath xmlns:m="http://schemas.openxmlformats.org/officeDocument/2006/math">
                     <m:r>
-                      <a:rPr lang="en-US" sz="5600" dirty="0"/>
+                      <a:rPr lang="en-US" sz="5600" dirty="0">
+                        <a:latin typeface="Cambria Math" panose="02040503050406030204" pitchFamily="18" charset="0"/>
+                      </a:rPr>
                       <m:t>𝐷</m:t>
                     </m:r>
                   </m:oMath>
@@ -24526,24 +24654,32 @@
                     <m:sSub>
                       <m:sSubPr>
                         <m:ctrlPr>
-                          <a:rPr lang="en-US" sz="5600"/>
+                          <a:rPr lang="en-US" sz="5600" i="1">
+                            <a:latin typeface="Cambria Math" panose="02040503050406030204" pitchFamily="18" charset="0"/>
+                          </a:rPr>
                         </m:ctrlPr>
                       </m:sSubPr>
                       <m:e>
                         <m:r>
-                          <a:rPr lang="en-US" sz="5600"/>
+                          <a:rPr lang="en-US" sz="5600">
+                            <a:latin typeface="Cambria Math" panose="02040503050406030204" pitchFamily="18" charset="0"/>
+                          </a:rPr>
                           <m:t>𝑛</m:t>
                         </m:r>
                       </m:e>
                       <m:sub>
                         <m:r>
-                          <a:rPr lang="en-US" sz="5600"/>
+                          <a:rPr lang="en-US" sz="5600">
+                            <a:latin typeface="Cambria Math" panose="02040503050406030204" pitchFamily="18" charset="0"/>
+                          </a:rPr>
                           <m:t>𝑢</m:t>
                         </m:r>
                       </m:sub>
                     </m:sSub>
                     <m:r>
-                      <a:rPr lang="en-US" sz="5600"/>
+                      <a:rPr lang="en-US" sz="5600">
+                        <a:latin typeface="Cambria Math" panose="02040503050406030204" pitchFamily="18" charset="0"/>
+                      </a:rPr>
                       <m:t>&gt;1</m:t>
                     </m:r>
                   </m:oMath>
@@ -24557,24 +24693,32 @@
                     <m:sSub>
                       <m:sSubPr>
                         <m:ctrlPr>
-                          <a:rPr lang="en-US" sz="5600"/>
+                          <a:rPr lang="en-US" sz="5600" i="1">
+                            <a:latin typeface="Cambria Math" panose="02040503050406030204" pitchFamily="18" charset="0"/>
+                          </a:rPr>
                         </m:ctrlPr>
                       </m:sSubPr>
                       <m:e>
                         <m:r>
-                          <a:rPr lang="en-US" sz="5600"/>
+                          <a:rPr lang="en-US" sz="5600">
+                            <a:latin typeface="Cambria Math" panose="02040503050406030204" pitchFamily="18" charset="0"/>
+                          </a:rPr>
                           <m:t>𝑛</m:t>
                         </m:r>
                       </m:e>
                       <m:sub>
                         <m:r>
-                          <a:rPr lang="en-US" sz="5600"/>
+                          <a:rPr lang="en-US" sz="5600">
+                            <a:latin typeface="Cambria Math" panose="02040503050406030204" pitchFamily="18" charset="0"/>
+                          </a:rPr>
                           <m:t>𝑦</m:t>
                         </m:r>
                       </m:sub>
                     </m:sSub>
                     <m:r>
-                      <a:rPr lang="en-US" sz="5600"/>
+                      <a:rPr lang="en-US" sz="5600">
+                        <a:latin typeface="Cambria Math" panose="02040503050406030204" pitchFamily="18" charset="0"/>
+                      </a:rPr>
                       <m:t>&gt;1</m:t>
                     </m:r>
                   </m:oMath>
@@ -24590,7 +24734,7 @@
             </p:txBody>
           </p:sp>
         </mc:Choice>
-        <mc:Fallback>
+        <mc:Fallback xmlns="">
           <p:sp>
             <p:nvSpPr>
               <p:cNvPr id="10" name="Content Placeholder 9">
@@ -24634,8 +24778,8 @@
           </p:sp>
         </mc:Fallback>
       </mc:AlternateContent>
-      <mc:AlternateContent xmlns:mc="http://schemas.openxmlformats.org/markup-compatibility/2006">
-        <mc:Choice xmlns:a14="http://schemas.microsoft.com/office/drawing/2010/main" Requires="a14">
+      <mc:AlternateContent xmlns:mc="http://schemas.openxmlformats.org/markup-compatibility/2006" xmlns:a14="http://schemas.microsoft.com/office/drawing/2010/main">
+        <mc:Choice Requires="a14">
           <p:graphicFrame>
             <p:nvGraphicFramePr>
               <p:cNvPr id="13" name="Table 12">
@@ -25059,7 +25203,7 @@
             </a:graphic>
           </p:graphicFrame>
         </mc:Choice>
-        <mc:Fallback>
+        <mc:Fallback xmlns="">
           <p:graphicFrame>
             <p:nvGraphicFramePr>
               <p:cNvPr id="13" name="Table 12">
@@ -25232,8 +25376,8 @@
           <a:chExt cx="0" cy="0"/>
         </a:xfrm>
       </p:grpSpPr>
-      <mc:AlternateContent xmlns:mc="http://schemas.openxmlformats.org/markup-compatibility/2006">
-        <mc:Choice xmlns:a14="http://schemas.microsoft.com/office/drawing/2010/main" Requires="a14">
+      <mc:AlternateContent xmlns:mc="http://schemas.openxmlformats.org/markup-compatibility/2006" xmlns:a14="http://schemas.microsoft.com/office/drawing/2010/main">
+        <mc:Choice Requires="a14">
           <p:sp>
             <p:nvSpPr>
               <p:cNvPr id="2" name="Content Placeholder 1">
@@ -25414,7 +25558,7 @@
             </p:txBody>
           </p:sp>
         </mc:Choice>
-        <mc:Fallback>
+        <mc:Fallback xmlns="">
           <p:sp>
             <p:nvSpPr>
               <p:cNvPr id="2" name="Content Placeholder 1">
@@ -25742,8 +25886,8 @@
           </a:p>
         </p:txBody>
       </p:sp>
-      <mc:AlternateContent xmlns:mc="http://schemas.openxmlformats.org/markup-compatibility/2006">
-        <mc:Choice xmlns:a14="http://schemas.microsoft.com/office/drawing/2010/main" Requires="a14">
+      <mc:AlternateContent xmlns:mc="http://schemas.openxmlformats.org/markup-compatibility/2006" xmlns:a14="http://schemas.microsoft.com/office/drawing/2010/main">
+        <mc:Choice Requires="a14">
           <p:graphicFrame>
             <p:nvGraphicFramePr>
               <p:cNvPr id="3" name="Table 7">
@@ -26470,7 +26614,7 @@
             </a:graphic>
           </p:graphicFrame>
         </mc:Choice>
-        <mc:Fallback>
+        <mc:Fallback xmlns="">
           <p:graphicFrame>
             <p:nvGraphicFramePr>
               <p:cNvPr id="3" name="Table 7">
@@ -26628,8 +26772,8 @@
           <a:chExt cx="0" cy="0"/>
         </a:xfrm>
       </p:grpSpPr>
-      <mc:AlternateContent xmlns:mc="http://schemas.openxmlformats.org/markup-compatibility/2006">
-        <mc:Choice xmlns:a14="http://schemas.microsoft.com/office/drawing/2010/main" Requires="a14">
+      <mc:AlternateContent xmlns:mc="http://schemas.openxmlformats.org/markup-compatibility/2006" xmlns:a14="http://schemas.microsoft.com/office/drawing/2010/main">
+        <mc:Choice Requires="a14">
           <p:sp>
             <p:nvSpPr>
               <p:cNvPr id="2" name="Content Placeholder 1">
@@ -26736,7 +26880,7 @@
             </p:txBody>
           </p:sp>
         </mc:Choice>
-        <mc:Fallback>
+        <mc:Fallback xmlns="">
           <p:sp>
             <p:nvSpPr>
               <p:cNvPr id="2" name="Content Placeholder 1">
@@ -26983,8 +27127,8 @@
           </a:p>
         </p:txBody>
       </p:sp>
-      <mc:AlternateContent xmlns:mc="http://schemas.openxmlformats.org/markup-compatibility/2006">
-        <mc:Choice xmlns:a14="http://schemas.microsoft.com/office/drawing/2010/main" Requires="a14">
+      <mc:AlternateContent xmlns:mc="http://schemas.openxmlformats.org/markup-compatibility/2006" xmlns:a14="http://schemas.microsoft.com/office/drawing/2010/main">
+        <mc:Choice Requires="a14">
           <p:graphicFrame>
             <p:nvGraphicFramePr>
               <p:cNvPr id="3" name="Table 7">
@@ -27182,7 +27326,7 @@
             </a:graphic>
           </p:graphicFrame>
         </mc:Choice>
-        <mc:Fallback>
+        <mc:Fallback xmlns="">
           <p:graphicFrame>
             <p:nvGraphicFramePr>
               <p:cNvPr id="3" name="Table 7">
@@ -27310,8 +27454,8 @@
           <a:chExt cx="0" cy="0"/>
         </a:xfrm>
       </p:grpSpPr>
-      <mc:AlternateContent xmlns:mc="http://schemas.openxmlformats.org/markup-compatibility/2006">
-        <mc:Choice xmlns:a14="http://schemas.microsoft.com/office/drawing/2010/main" Requires="a14">
+      <mc:AlternateContent xmlns:mc="http://schemas.openxmlformats.org/markup-compatibility/2006" xmlns:a14="http://schemas.microsoft.com/office/drawing/2010/main">
+        <mc:Choice Requires="a14">
           <p:sp>
             <p:nvSpPr>
               <p:cNvPr id="2" name="Content Placeholder 1">
@@ -27363,11 +27507,15 @@
                 <a14:m>
                   <m:oMath xmlns:m="http://schemas.openxmlformats.org/officeDocument/2006/math">
                     <m:r>
-                      <a:rPr lang="en-US" sz="1600"/>
+                      <a:rPr lang="en-US" sz="1600">
+                        <a:latin typeface="Cambria Math" panose="02040503050406030204" pitchFamily="18" charset="0"/>
+                      </a:rPr>
                       <m:t>−</m:t>
                     </m:r>
                     <m:r>
-                      <a:rPr lang="en-US" sz="1600"/>
+                      <a:rPr lang="en-US" sz="1600">
+                        <a:latin typeface="Cambria Math" panose="02040503050406030204" pitchFamily="18" charset="0"/>
+                      </a:rPr>
                       <m:t>𝑘𝑦</m:t>
                     </m:r>
                   </m:oMath>
@@ -27379,27 +27527,37 @@
                 <a14:m>
                   <m:oMath xmlns:m="http://schemas.openxmlformats.org/officeDocument/2006/math">
                     <m:r>
-                      <a:rPr lang="en-US" sz="1600"/>
+                      <a:rPr lang="en-US" sz="1600">
+                        <a:latin typeface="Cambria Math" panose="02040503050406030204" pitchFamily="18" charset="0"/>
+                      </a:rPr>
                       <m:t>−</m:t>
                     </m:r>
                     <m:r>
-                      <a:rPr lang="en-US" sz="1600"/>
+                      <a:rPr lang="en-US" sz="1600">
+                        <a:latin typeface="Cambria Math" panose="02040503050406030204" pitchFamily="18" charset="0"/>
+                      </a:rPr>
                       <m:t>𝛽</m:t>
                     </m:r>
                     <m:r>
-                      <a:rPr lang="en-US" sz="1600"/>
+                      <a:rPr lang="en-US" sz="1600">
+                        <a:latin typeface="Cambria Math" panose="02040503050406030204" pitchFamily="18" charset="0"/>
+                      </a:rPr>
                       <m:t> </m:t>
                     </m:r>
                     <m:acc>
                       <m:accPr>
                         <m:chr m:val="̇"/>
                         <m:ctrlPr>
-                          <a:rPr lang="en-US" sz="1600"/>
+                          <a:rPr lang="en-US" sz="1600" i="1">
+                            <a:latin typeface="Cambria Math" panose="02040503050406030204" pitchFamily="18" charset="0"/>
+                          </a:rPr>
                         </m:ctrlPr>
                       </m:accPr>
                       <m:e>
                         <m:r>
-                          <a:rPr lang="en-US" sz="1600"/>
+                          <a:rPr lang="en-US" sz="1600">
+                            <a:latin typeface="Cambria Math" panose="02040503050406030204" pitchFamily="18" charset="0"/>
+                          </a:rPr>
                           <m:t>𝑦</m:t>
                         </m:r>
                       </m:e>
@@ -27413,7 +27571,9 @@
                 <a14:m>
                   <m:oMath xmlns:m="http://schemas.openxmlformats.org/officeDocument/2006/math">
                     <m:r>
-                      <a:rPr lang="en-US" sz="1600"/>
+                      <a:rPr lang="en-US" sz="1600">
+                        <a:latin typeface="Cambria Math" panose="02040503050406030204" pitchFamily="18" charset="0"/>
+                      </a:rPr>
                       <m:t>𝐹</m:t>
                     </m:r>
                   </m:oMath>
@@ -27465,7 +27625,7 @@
             </p:txBody>
           </p:sp>
         </mc:Choice>
-        <mc:Fallback>
+        <mc:Fallback xmlns="">
           <p:sp>
             <p:nvSpPr>
               <p:cNvPr id="2" name="Content Placeholder 1">
@@ -27566,8 +27726,8 @@
           </a:p>
         </p:txBody>
       </p:sp>
-      <mc:AlternateContent xmlns:mc="http://schemas.openxmlformats.org/markup-compatibility/2006">
-        <mc:Choice xmlns:a14="http://schemas.microsoft.com/office/drawing/2010/main" Requires="a14">
+      <mc:AlternateContent xmlns:mc="http://schemas.openxmlformats.org/markup-compatibility/2006" xmlns:a14="http://schemas.microsoft.com/office/drawing/2010/main">
+        <mc:Choice Requires="a14">
           <p:graphicFrame>
             <p:nvGraphicFramePr>
               <p:cNvPr id="3" name="Table 7">
@@ -27963,7 +28123,7 @@
             </a:graphic>
           </p:graphicFrame>
         </mc:Choice>
-        <mc:Fallback>
+        <mc:Fallback xmlns="">
           <p:graphicFrame>
             <p:nvGraphicFramePr>
               <p:cNvPr id="3" name="Table 7">
@@ -28106,8 +28266,8 @@
           </p:graphicFrame>
         </mc:Fallback>
       </mc:AlternateContent>
-      <mc:AlternateContent xmlns:mc="http://schemas.openxmlformats.org/markup-compatibility/2006">
-        <mc:Choice xmlns:a14="http://schemas.microsoft.com/office/drawing/2010/main" Requires="a14">
+      <mc:AlternateContent xmlns:mc="http://schemas.openxmlformats.org/markup-compatibility/2006" xmlns:a14="http://schemas.microsoft.com/office/drawing/2010/main">
+        <mc:Choice Requires="a14">
           <p:graphicFrame>
             <p:nvGraphicFramePr>
               <p:cNvPr id="6" name="Table 7">
@@ -28295,7 +28455,7 @@
             </a:graphic>
           </p:graphicFrame>
         </mc:Choice>
-        <mc:Fallback>
+        <mc:Fallback xmlns="">
           <p:graphicFrame>
             <p:nvGraphicFramePr>
               <p:cNvPr id="6" name="Table 7">
@@ -28678,8 +28838,8 @@
           <a:chExt cx="0" cy="0"/>
         </a:xfrm>
       </p:grpSpPr>
-      <mc:AlternateContent xmlns:mc="http://schemas.openxmlformats.org/markup-compatibility/2006">
-        <mc:Choice xmlns:a14="http://schemas.microsoft.com/office/drawing/2010/main" Requires="a14">
+      <mc:AlternateContent xmlns:mc="http://schemas.openxmlformats.org/markup-compatibility/2006" xmlns:a14="http://schemas.microsoft.com/office/drawing/2010/main">
+        <mc:Choice Requires="a14">
           <p:sp>
             <p:nvSpPr>
               <p:cNvPr id="2" name="Content Placeholder 1">
@@ -28959,7 +29119,7 @@
             </p:txBody>
           </p:sp>
         </mc:Choice>
-        <mc:Fallback>
+        <mc:Fallback xmlns="">
           <p:sp>
             <p:nvSpPr>
               <p:cNvPr id="2" name="Content Placeholder 1">
@@ -29060,8 +29220,8 @@
           </a:p>
         </p:txBody>
       </p:sp>
-      <mc:AlternateContent xmlns:mc="http://schemas.openxmlformats.org/markup-compatibility/2006">
-        <mc:Choice xmlns:a14="http://schemas.microsoft.com/office/drawing/2010/main" Requires="a14">
+      <mc:AlternateContent xmlns:mc="http://schemas.openxmlformats.org/markup-compatibility/2006" xmlns:a14="http://schemas.microsoft.com/office/drawing/2010/main">
+        <mc:Choice Requires="a14">
           <p:graphicFrame>
             <p:nvGraphicFramePr>
               <p:cNvPr id="3" name="Table 7">
@@ -29536,7 +29696,7 @@
             </a:graphic>
           </p:graphicFrame>
         </mc:Choice>
-        <mc:Fallback>
+        <mc:Fallback xmlns="">
           <p:graphicFrame>
             <p:nvGraphicFramePr>
               <p:cNvPr id="3" name="Table 7">
@@ -29679,8 +29839,8 @@
           </p:graphicFrame>
         </mc:Fallback>
       </mc:AlternateContent>
-      <mc:AlternateContent xmlns:mc="http://schemas.openxmlformats.org/markup-compatibility/2006">
-        <mc:Choice xmlns:a14="http://schemas.microsoft.com/office/drawing/2010/main" Requires="a14">
+      <mc:AlternateContent xmlns:mc="http://schemas.openxmlformats.org/markup-compatibility/2006" xmlns:a14="http://schemas.microsoft.com/office/drawing/2010/main">
+        <mc:Choice Requires="a14">
           <p:graphicFrame>
             <p:nvGraphicFramePr>
               <p:cNvPr id="6" name="Table 7">
@@ -30094,7 +30254,7 @@
             </a:graphic>
           </p:graphicFrame>
         </mc:Choice>
-        <mc:Fallback>
+        <mc:Fallback xmlns="">
           <p:graphicFrame>
             <p:nvGraphicFramePr>
               <p:cNvPr id="6" name="Table 7">
@@ -30222,8 +30382,8 @@
           <a:chExt cx="0" cy="0"/>
         </a:xfrm>
       </p:grpSpPr>
-      <mc:AlternateContent xmlns:mc="http://schemas.openxmlformats.org/markup-compatibility/2006">
-        <mc:Choice xmlns:a14="http://schemas.microsoft.com/office/drawing/2010/main" Requires="a14">
+      <mc:AlternateContent xmlns:mc="http://schemas.openxmlformats.org/markup-compatibility/2006" xmlns:a14="http://schemas.microsoft.com/office/drawing/2010/main">
+        <mc:Choice Requires="a14">
           <p:sp>
             <p:nvSpPr>
               <p:cNvPr id="2" name="Content Placeholder 1">
@@ -30415,7 +30575,7 @@
             </p:txBody>
           </p:sp>
         </mc:Choice>
-        <mc:Fallback>
+        <mc:Fallback xmlns="">
           <p:sp>
             <p:nvSpPr>
               <p:cNvPr id="2" name="Content Placeholder 1">
@@ -30516,8 +30676,8 @@
           </a:p>
         </p:txBody>
       </p:sp>
-      <mc:AlternateContent xmlns:mc="http://schemas.openxmlformats.org/markup-compatibility/2006">
-        <mc:Choice xmlns:a14="http://schemas.microsoft.com/office/drawing/2010/main" Requires="a14">
+      <mc:AlternateContent xmlns:mc="http://schemas.openxmlformats.org/markup-compatibility/2006" xmlns:a14="http://schemas.microsoft.com/office/drawing/2010/main">
+        <mc:Choice Requires="a14">
           <p:graphicFrame>
             <p:nvGraphicFramePr>
               <p:cNvPr id="3" name="Table 7">
@@ -30973,7 +31133,7 @@
             </a:graphic>
           </p:graphicFrame>
         </mc:Choice>
-        <mc:Fallback>
+        <mc:Fallback xmlns="">
           <p:graphicFrame>
             <p:nvGraphicFramePr>
               <p:cNvPr id="3" name="Table 7">
@@ -31116,8 +31276,8 @@
           </p:graphicFrame>
         </mc:Fallback>
       </mc:AlternateContent>
-      <mc:AlternateContent xmlns:mc="http://schemas.openxmlformats.org/markup-compatibility/2006">
-        <mc:Choice xmlns:a14="http://schemas.microsoft.com/office/drawing/2010/main" Requires="a14">
+      <mc:AlternateContent xmlns:mc="http://schemas.openxmlformats.org/markup-compatibility/2006" xmlns:a14="http://schemas.microsoft.com/office/drawing/2010/main">
+        <mc:Choice Requires="a14">
           <p:graphicFrame>
             <p:nvGraphicFramePr>
               <p:cNvPr id="7" name="Table 7">
@@ -31451,7 +31611,7 @@
             </a:graphic>
           </p:graphicFrame>
         </mc:Choice>
-        <mc:Fallback>
+        <mc:Fallback xmlns="">
           <p:graphicFrame>
             <p:nvGraphicFramePr>
               <p:cNvPr id="7" name="Table 7">
@@ -31549,8 +31709,8 @@
           </p:graphicFrame>
         </mc:Fallback>
       </mc:AlternateContent>
-      <mc:AlternateContent xmlns:mc="http://schemas.openxmlformats.org/markup-compatibility/2006">
-        <mc:Choice xmlns:a14="http://schemas.microsoft.com/office/drawing/2010/main" Requires="a14">
+      <mc:AlternateContent xmlns:mc="http://schemas.openxmlformats.org/markup-compatibility/2006" xmlns:a14="http://schemas.microsoft.com/office/drawing/2010/main">
+        <mc:Choice Requires="a14">
           <p:graphicFrame>
             <p:nvGraphicFramePr>
               <p:cNvPr id="8" name="Table 7">
@@ -31814,7 +31974,7 @@
             </a:graphic>
           </p:graphicFrame>
         </mc:Choice>
-        <mc:Fallback>
+        <mc:Fallback xmlns="">
           <p:graphicFrame>
             <p:nvGraphicFramePr>
               <p:cNvPr id="8" name="Table 7">
@@ -33066,8 +33226,8 @@
           </a:p>
         </p:txBody>
       </p:sp>
-      <mc:AlternateContent xmlns:mc="http://schemas.openxmlformats.org/markup-compatibility/2006">
-        <mc:Choice xmlns:a14="http://schemas.microsoft.com/office/drawing/2010/main" Requires="a14">
+      <mc:AlternateContent xmlns:mc="http://schemas.openxmlformats.org/markup-compatibility/2006" xmlns:a14="http://schemas.microsoft.com/office/drawing/2010/main">
+        <mc:Choice Requires="a14">
           <p:sp>
             <p:nvSpPr>
               <p:cNvPr id="3" name="Content Placeholder 2">
@@ -33114,18 +33274,24 @@
                     <m:sSub>
                       <m:sSubPr>
                         <m:ctrlPr>
-                          <a:rPr lang="en-US" sz="1600"/>
+                          <a:rPr lang="en-US" sz="1600" i="1">
+                            <a:latin typeface="Cambria Math" panose="02040503050406030204" pitchFamily="18" charset="0"/>
+                          </a:rPr>
                         </m:ctrlPr>
                       </m:sSubPr>
                       <m:e>
                         <m:r>
-                          <a:rPr lang="en-US" sz="1600"/>
+                          <a:rPr lang="en-US" sz="1600">
+                            <a:latin typeface="Cambria Math" panose="02040503050406030204" pitchFamily="18" charset="0"/>
+                          </a:rPr>
                           <m:t>𝑢</m:t>
                         </m:r>
                       </m:e>
                       <m:sub>
                         <m:r>
-                          <a:rPr lang="en-US" sz="1600"/>
+                          <a:rPr lang="en-US" sz="1600">
+                            <a:latin typeface="Cambria Math" panose="02040503050406030204" pitchFamily="18" charset="0"/>
+                          </a:rPr>
                           <m:t>1</m:t>
                         </m:r>
                       </m:sub>
@@ -33141,18 +33307,24 @@
                     <m:sSub>
                       <m:sSubPr>
                         <m:ctrlPr>
-                          <a:rPr lang="en-US" sz="1600"/>
+                          <a:rPr lang="en-US" sz="1600" i="1">
+                            <a:latin typeface="Cambria Math" panose="02040503050406030204" pitchFamily="18" charset="0"/>
+                          </a:rPr>
                         </m:ctrlPr>
                       </m:sSubPr>
                       <m:e>
                         <m:r>
-                          <a:rPr lang="en-US" sz="1600"/>
+                          <a:rPr lang="en-US" sz="1600">
+                            <a:latin typeface="Cambria Math" panose="02040503050406030204" pitchFamily="18" charset="0"/>
+                          </a:rPr>
                           <m:t>𝑦</m:t>
                         </m:r>
                       </m:e>
                       <m:sub>
                         <m:r>
-                          <a:rPr lang="en-US" sz="1600"/>
+                          <a:rPr lang="en-US" sz="1600">
+                            <a:latin typeface="Cambria Math" panose="02040503050406030204" pitchFamily="18" charset="0"/>
+                          </a:rPr>
                           <m:t>1</m:t>
                         </m:r>
                       </m:sub>
@@ -33168,18 +33340,24 @@
                     <m:sSub>
                       <m:sSubPr>
                         <m:ctrlPr>
-                          <a:rPr lang="en-US" sz="1600"/>
+                          <a:rPr lang="en-US" sz="1600" i="1">
+                            <a:latin typeface="Cambria Math" panose="02040503050406030204" pitchFamily="18" charset="0"/>
+                          </a:rPr>
                         </m:ctrlPr>
                       </m:sSubPr>
                       <m:e>
                         <m:r>
-                          <a:rPr lang="en-US" sz="1600"/>
+                          <a:rPr lang="en-US" sz="1600">
+                            <a:latin typeface="Cambria Math" panose="02040503050406030204" pitchFamily="18" charset="0"/>
+                          </a:rPr>
                           <m:t>𝑢</m:t>
                         </m:r>
                       </m:e>
                       <m:sub>
                         <m:r>
-                          <a:rPr lang="en-US" sz="1600"/>
+                          <a:rPr lang="en-US" sz="1600">
+                            <a:latin typeface="Cambria Math" panose="02040503050406030204" pitchFamily="18" charset="0"/>
+                          </a:rPr>
                           <m:t>2</m:t>
                         </m:r>
                       </m:sub>
@@ -33195,18 +33373,24 @@
                     <m:sSub>
                       <m:sSubPr>
                         <m:ctrlPr>
-                          <a:rPr lang="en-US" sz="1600"/>
+                          <a:rPr lang="en-US" sz="1600" i="1">
+                            <a:latin typeface="Cambria Math" panose="02040503050406030204" pitchFamily="18" charset="0"/>
+                          </a:rPr>
                         </m:ctrlPr>
                       </m:sSubPr>
                       <m:e>
                         <m:r>
-                          <a:rPr lang="en-US" sz="1600"/>
+                          <a:rPr lang="en-US" sz="1600">
+                            <a:latin typeface="Cambria Math" panose="02040503050406030204" pitchFamily="18" charset="0"/>
+                          </a:rPr>
                           <m:t>𝑦</m:t>
                         </m:r>
                       </m:e>
                       <m:sub>
                         <m:r>
-                          <a:rPr lang="en-US" sz="1600"/>
+                          <a:rPr lang="en-US" sz="1600">
+                            <a:latin typeface="Cambria Math" panose="02040503050406030204" pitchFamily="18" charset="0"/>
+                          </a:rPr>
                           <m:t>2</m:t>
                         </m:r>
                       </m:sub>
@@ -33223,51 +33407,69 @@
                       <m:rPr>
                         <m:sty m:val="p"/>
                       </m:rPr>
-                      <a:rPr lang="en-US" sz="1600"/>
+                      <a:rPr lang="en-US" sz="1600">
+                        <a:latin typeface="Cambria Math" panose="02040503050406030204" pitchFamily="18" charset="0"/>
+                      </a:rPr>
                       <m:t>u</m:t>
                     </m:r>
                     <m:r>
-                      <a:rPr lang="en-US" sz="1600"/>
+                      <a:rPr lang="en-US" sz="1600">
+                        <a:latin typeface="Cambria Math" panose="02040503050406030204" pitchFamily="18" charset="0"/>
+                      </a:rPr>
                       <m:t>=</m:t>
                     </m:r>
                     <m:sSub>
                       <m:sSubPr>
                         <m:ctrlPr>
-                          <a:rPr lang="en-US" sz="1600"/>
+                          <a:rPr lang="en-US" sz="1600" i="1">
+                            <a:latin typeface="Cambria Math" panose="02040503050406030204" pitchFamily="18" charset="0"/>
+                          </a:rPr>
                         </m:ctrlPr>
                       </m:sSubPr>
                       <m:e>
                         <m:r>
-                          <a:rPr lang="en-US" sz="1600"/>
+                          <a:rPr lang="en-US" sz="1600">
+                            <a:latin typeface="Cambria Math" panose="02040503050406030204" pitchFamily="18" charset="0"/>
+                          </a:rPr>
                           <m:t>𝑢</m:t>
                         </m:r>
                       </m:e>
                       <m:sub>
                         <m:r>
-                          <a:rPr lang="en-US" sz="1600"/>
+                          <a:rPr lang="en-US" sz="1600">
+                            <a:latin typeface="Cambria Math" panose="02040503050406030204" pitchFamily="18" charset="0"/>
+                          </a:rPr>
                           <m:t>1</m:t>
                         </m:r>
                       </m:sub>
                     </m:sSub>
                     <m:r>
-                      <a:rPr lang="en-US" sz="1600"/>
+                      <a:rPr lang="en-US" sz="1600">
+                        <a:latin typeface="Cambria Math" panose="02040503050406030204" pitchFamily="18" charset="0"/>
+                      </a:rPr>
                       <m:t>+</m:t>
                     </m:r>
                     <m:sSub>
                       <m:sSubPr>
                         <m:ctrlPr>
-                          <a:rPr lang="en-US" sz="1600"/>
+                          <a:rPr lang="en-US" sz="1600" i="1">
+                            <a:latin typeface="Cambria Math" panose="02040503050406030204" pitchFamily="18" charset="0"/>
+                          </a:rPr>
                         </m:ctrlPr>
                       </m:sSubPr>
                       <m:e>
                         <m:r>
-                          <a:rPr lang="en-US" sz="1600"/>
+                          <a:rPr lang="en-US" sz="1600">
+                            <a:latin typeface="Cambria Math" panose="02040503050406030204" pitchFamily="18" charset="0"/>
+                          </a:rPr>
                           <m:t>𝑢</m:t>
                         </m:r>
                       </m:e>
                       <m:sub>
                         <m:r>
-                          <a:rPr lang="en-US" sz="1600"/>
+                          <a:rPr lang="en-US" sz="1600">
+                            <a:latin typeface="Cambria Math" panose="02040503050406030204" pitchFamily="18" charset="0"/>
+                          </a:rPr>
                           <m:t>2</m:t>
                         </m:r>
                       </m:sub>
@@ -33284,51 +33486,69 @@
                       <m:rPr>
                         <m:sty m:val="p"/>
                       </m:rPr>
-                      <a:rPr lang="en-US" sz="1600"/>
+                      <a:rPr lang="en-US" sz="1600">
+                        <a:latin typeface="Cambria Math" panose="02040503050406030204" pitchFamily="18" charset="0"/>
+                      </a:rPr>
                       <m:t>y</m:t>
                     </m:r>
                     <m:r>
-                      <a:rPr lang="en-US" sz="1600"/>
+                      <a:rPr lang="en-US" sz="1600">
+                        <a:latin typeface="Cambria Math" panose="02040503050406030204" pitchFamily="18" charset="0"/>
+                      </a:rPr>
                       <m:t>=</m:t>
                     </m:r>
                     <m:sSub>
                       <m:sSubPr>
                         <m:ctrlPr>
-                          <a:rPr lang="en-US" sz="1600"/>
+                          <a:rPr lang="en-US" sz="1600" i="1">
+                            <a:latin typeface="Cambria Math" panose="02040503050406030204" pitchFamily="18" charset="0"/>
+                          </a:rPr>
                         </m:ctrlPr>
                       </m:sSubPr>
                       <m:e>
                         <m:r>
-                          <a:rPr lang="en-US" sz="1600"/>
+                          <a:rPr lang="en-US" sz="1600">
+                            <a:latin typeface="Cambria Math" panose="02040503050406030204" pitchFamily="18" charset="0"/>
+                          </a:rPr>
                           <m:t>𝑦</m:t>
                         </m:r>
                       </m:e>
                       <m:sub>
                         <m:r>
-                          <a:rPr lang="en-US" sz="1600"/>
+                          <a:rPr lang="en-US" sz="1600">
+                            <a:latin typeface="Cambria Math" panose="02040503050406030204" pitchFamily="18" charset="0"/>
+                          </a:rPr>
                           <m:t>1</m:t>
                         </m:r>
                       </m:sub>
                     </m:sSub>
                     <m:r>
-                      <a:rPr lang="en-US" sz="1600"/>
+                      <a:rPr lang="en-US" sz="1600">
+                        <a:latin typeface="Cambria Math" panose="02040503050406030204" pitchFamily="18" charset="0"/>
+                      </a:rPr>
                       <m:t>+</m:t>
                     </m:r>
                     <m:sSub>
                       <m:sSubPr>
                         <m:ctrlPr>
-                          <a:rPr lang="en-US" sz="1600"/>
+                          <a:rPr lang="en-US" sz="1600" i="1">
+                            <a:latin typeface="Cambria Math" panose="02040503050406030204" pitchFamily="18" charset="0"/>
+                          </a:rPr>
                         </m:ctrlPr>
                       </m:sSubPr>
                       <m:e>
                         <m:r>
-                          <a:rPr lang="en-US" sz="1600"/>
+                          <a:rPr lang="en-US" sz="1600">
+                            <a:latin typeface="Cambria Math" panose="02040503050406030204" pitchFamily="18" charset="0"/>
+                          </a:rPr>
                           <m:t>𝑦</m:t>
                         </m:r>
                       </m:e>
                       <m:sub>
                         <m:r>
-                          <a:rPr lang="en-US" sz="1600"/>
+                          <a:rPr lang="en-US" sz="1600">
+                            <a:latin typeface="Cambria Math" panose="02040503050406030204" pitchFamily="18" charset="0"/>
+                          </a:rPr>
                           <m:t>2</m:t>
                         </m:r>
                       </m:sub>
@@ -33346,7 +33566,7 @@
             </p:txBody>
           </p:sp>
         </mc:Choice>
-        <mc:Fallback>
+        <mc:Fallback xmlns="">
           <p:sp>
             <p:nvSpPr>
               <p:cNvPr id="3" name="Content Placeholder 2">
@@ -33475,8 +33695,8 @@
           <a:chExt cx="0" cy="0"/>
         </a:xfrm>
       </p:grpSpPr>
-      <mc:AlternateContent xmlns:mc="http://schemas.openxmlformats.org/markup-compatibility/2006">
-        <mc:Choice xmlns:a14="http://schemas.microsoft.com/office/drawing/2010/main" Requires="a14">
+      <mc:AlternateContent xmlns:mc="http://schemas.openxmlformats.org/markup-compatibility/2006" xmlns:a14="http://schemas.microsoft.com/office/drawing/2010/main">
+        <mc:Choice Requires="a14">
           <p:sp>
             <p:nvSpPr>
               <p:cNvPr id="2" name="Content Placeholder 1">
@@ -33770,7 +33990,7 @@
             </p:txBody>
           </p:sp>
         </mc:Choice>
-        <mc:Fallback>
+        <mc:Fallback xmlns="">
           <p:sp>
             <p:nvSpPr>
               <p:cNvPr id="2" name="Content Placeholder 1">
@@ -33871,8 +34091,8 @@
           </a:p>
         </p:txBody>
       </p:sp>
-      <mc:AlternateContent xmlns:mc="http://schemas.openxmlformats.org/markup-compatibility/2006">
-        <mc:Choice xmlns:a14="http://schemas.microsoft.com/office/drawing/2010/main" Requires="a14">
+      <mc:AlternateContent xmlns:mc="http://schemas.openxmlformats.org/markup-compatibility/2006" xmlns:a14="http://schemas.microsoft.com/office/drawing/2010/main">
+        <mc:Choice Requires="a14">
           <p:graphicFrame>
             <p:nvGraphicFramePr>
               <p:cNvPr id="5" name="Table 7">
@@ -34242,7 +34462,7 @@
             </a:graphic>
           </p:graphicFrame>
         </mc:Choice>
-        <mc:Fallback>
+        <mc:Fallback xmlns="">
           <p:graphicFrame>
             <p:nvGraphicFramePr>
               <p:cNvPr id="5" name="Table 7">
@@ -34548,8 +34768,8 @@
           </a:p>
         </p:txBody>
       </p:sp>
-      <mc:AlternateContent xmlns:mc="http://schemas.openxmlformats.org/markup-compatibility/2006">
-        <mc:Choice xmlns:a14="http://schemas.microsoft.com/office/drawing/2010/main" Requires="a14">
+      <mc:AlternateContent xmlns:mc="http://schemas.openxmlformats.org/markup-compatibility/2006" xmlns:a14="http://schemas.microsoft.com/office/drawing/2010/main">
+        <mc:Choice Requires="a14">
           <p:sp>
             <p:nvSpPr>
               <p:cNvPr id="3" name="Content Placeholder 2">
@@ -34635,7 +34855,7 @@
             </p:txBody>
           </p:sp>
         </mc:Choice>
-        <mc:Fallback>
+        <mc:Fallback xmlns="">
           <p:sp>
             <p:nvSpPr>
               <p:cNvPr id="3" name="Content Placeholder 2">
@@ -34704,8 +34924,8 @@
           </a:p>
         </p:txBody>
       </p:sp>
-      <mc:AlternateContent xmlns:mc="http://schemas.openxmlformats.org/markup-compatibility/2006">
-        <mc:Choice xmlns:a14="http://schemas.microsoft.com/office/drawing/2010/main" Requires="a14">
+      <mc:AlternateContent xmlns:mc="http://schemas.openxmlformats.org/markup-compatibility/2006" xmlns:a14="http://schemas.microsoft.com/office/drawing/2010/main">
+        <mc:Choice Requires="a14">
           <p:graphicFrame>
             <p:nvGraphicFramePr>
               <p:cNvPr id="5" name="Table 7">
@@ -34888,7 +35108,7 @@
             </a:graphic>
           </p:graphicFrame>
         </mc:Choice>
-        <mc:Fallback>
+        <mc:Fallback xmlns="">
           <p:graphicFrame>
             <p:nvGraphicFramePr>
               <p:cNvPr id="5" name="Table 7">
@@ -35016,8 +35236,8 @@
           <a:chExt cx="0" cy="0"/>
         </a:xfrm>
       </p:grpSpPr>
-      <mc:AlternateContent xmlns:mc="http://schemas.openxmlformats.org/markup-compatibility/2006">
-        <mc:Choice xmlns:a14="http://schemas.microsoft.com/office/drawing/2010/main" Requires="a14">
+      <mc:AlternateContent xmlns:mc="http://schemas.openxmlformats.org/markup-compatibility/2006" xmlns:a14="http://schemas.microsoft.com/office/drawing/2010/main">
+        <mc:Choice Requires="a14">
           <p:sp>
             <p:nvSpPr>
               <p:cNvPr id="2" name="Content Placeholder 1">
@@ -35072,26 +35292,36 @@
                 <a14:m>
                   <m:oMath xmlns:m="http://schemas.openxmlformats.org/officeDocument/2006/math">
                     <m:r>
-                      <a:rPr lang="en-US" sz="1600"/>
+                      <a:rPr lang="en-US" sz="1600">
+                        <a:latin typeface="Cambria Math" panose="02040503050406030204" pitchFamily="18" charset="0"/>
+                      </a:rPr>
                       <m:t>𝑡</m:t>
                     </m:r>
                     <m:r>
-                      <a:rPr lang="en-US" sz="1600"/>
+                      <a:rPr lang="en-US" sz="1600">
+                        <a:latin typeface="Cambria Math" panose="02040503050406030204" pitchFamily="18" charset="0"/>
+                      </a:rPr>
                       <m:t>=</m:t>
                     </m:r>
                     <m:r>
-                      <a:rPr lang="en-US" sz="1600"/>
+                      <a:rPr lang="en-US" sz="1600">
+                        <a:latin typeface="Cambria Math" panose="02040503050406030204" pitchFamily="18" charset="0"/>
+                      </a:rPr>
                       <m:t>𝑘</m:t>
                     </m:r>
                     <m:r>
                       <m:rPr>
                         <m:sty m:val="p"/>
                       </m:rPr>
-                      <a:rPr lang="en-US" sz="1600"/>
+                      <a:rPr lang="en-US" sz="1600">
+                        <a:latin typeface="Cambria Math" panose="02040503050406030204" pitchFamily="18" charset="0"/>
+                      </a:rPr>
                       <m:t>Δ</m:t>
                     </m:r>
                     <m:r>
-                      <a:rPr lang="en-US" sz="1600"/>
+                      <a:rPr lang="en-US" sz="1600">
+                        <a:latin typeface="Cambria Math" panose="02040503050406030204" pitchFamily="18" charset="0"/>
+                      </a:rPr>
                       <m:t>𝑡</m:t>
                     </m:r>
                   </m:oMath>
@@ -35134,11 +35364,15 @@
                       <m:rPr>
                         <m:sty m:val="p"/>
                       </m:rPr>
-                      <a:rPr lang="en-US" sz="1600"/>
+                      <a:rPr lang="en-US" sz="1600">
+                        <a:latin typeface="Cambria Math" panose="02040503050406030204" pitchFamily="18" charset="0"/>
+                      </a:rPr>
                       <m:t>Δ</m:t>
                     </m:r>
                     <m:r>
-                      <a:rPr lang="en-US" sz="1600"/>
+                      <a:rPr lang="en-US" sz="1600">
+                        <a:latin typeface="Cambria Math" panose="02040503050406030204" pitchFamily="18" charset="0"/>
+                      </a:rPr>
                       <m:t>𝑡</m:t>
                     </m:r>
                   </m:oMath>
@@ -35150,18 +35384,24 @@
                 <a14:m>
                   <m:oMath xmlns:m="http://schemas.openxmlformats.org/officeDocument/2006/math">
                     <m:r>
-                      <a:rPr lang="en-US" sz="1600"/>
+                      <a:rPr lang="en-US" sz="1600">
+                        <a:latin typeface="Cambria Math" panose="02040503050406030204" pitchFamily="18" charset="0"/>
+                      </a:rPr>
                       <m:t>𝑦</m:t>
                     </m:r>
                     <m:d>
                       <m:dPr>
                         <m:ctrlPr>
-                          <a:rPr lang="en-US" sz="1600"/>
+                          <a:rPr lang="en-US" sz="1600" i="1">
+                            <a:latin typeface="Cambria Math" panose="02040503050406030204" pitchFamily="18" charset="0"/>
+                          </a:rPr>
                         </m:ctrlPr>
                       </m:dPr>
                       <m:e>
                         <m:r>
-                          <a:rPr lang="en-US" sz="1600"/>
+                          <a:rPr lang="en-US" sz="1600">
+                            <a:latin typeface="Cambria Math" panose="02040503050406030204" pitchFamily="18" charset="0"/>
+                          </a:rPr>
                           <m:t>𝑘</m:t>
                         </m:r>
                       </m:e>
@@ -35175,18 +35415,24 @@
                 <a14:m>
                   <m:oMath xmlns:m="http://schemas.openxmlformats.org/officeDocument/2006/math">
                     <m:r>
-                      <a:rPr lang="en-US" sz="1600"/>
+                      <a:rPr lang="en-US" sz="1600">
+                        <a:latin typeface="Cambria Math" panose="02040503050406030204" pitchFamily="18" charset="0"/>
+                      </a:rPr>
                       <m:t>𝑦</m:t>
                     </m:r>
                     <m:d>
                       <m:dPr>
                         <m:ctrlPr>
-                          <a:rPr lang="en-US" sz="1600"/>
+                          <a:rPr lang="en-US" sz="1600" i="1">
+                            <a:latin typeface="Cambria Math" panose="02040503050406030204" pitchFamily="18" charset="0"/>
+                          </a:rPr>
                         </m:ctrlPr>
                       </m:dPr>
                       <m:e>
                         <m:r>
-                          <a:rPr lang="en-US" sz="1600"/>
+                          <a:rPr lang="en-US" sz="1600">
+                            <a:latin typeface="Cambria Math" panose="02040503050406030204" pitchFamily="18" charset="0"/>
+                          </a:rPr>
                           <m:t>𝑘</m:t>
                         </m:r>
                       </m:e>
@@ -35200,26 +35446,36 @@
                 <a14:m>
                   <m:oMath xmlns:m="http://schemas.openxmlformats.org/officeDocument/2006/math">
                     <m:r>
-                      <a:rPr lang="en-US" sz="1600"/>
+                      <a:rPr lang="en-US" sz="1600">
+                        <a:latin typeface="Cambria Math" panose="02040503050406030204" pitchFamily="18" charset="0"/>
+                      </a:rPr>
                       <m:t>𝑡</m:t>
                     </m:r>
                     <m:r>
-                      <a:rPr lang="en-US" sz="1600"/>
+                      <a:rPr lang="en-US" sz="1600">
+                        <a:latin typeface="Cambria Math" panose="02040503050406030204" pitchFamily="18" charset="0"/>
+                      </a:rPr>
                       <m:t>=</m:t>
                     </m:r>
                     <m:r>
-                      <a:rPr lang="en-US" sz="1600"/>
+                      <a:rPr lang="en-US" sz="1600">
+                        <a:latin typeface="Cambria Math" panose="02040503050406030204" pitchFamily="18" charset="0"/>
+                      </a:rPr>
                       <m:t>𝑘</m:t>
                     </m:r>
                     <m:r>
                       <m:rPr>
                         <m:sty m:val="p"/>
                       </m:rPr>
-                      <a:rPr lang="en-US" sz="1600"/>
+                      <a:rPr lang="en-US" sz="1600">
+                        <a:latin typeface="Cambria Math" panose="02040503050406030204" pitchFamily="18" charset="0"/>
+                      </a:rPr>
                       <m:t>Δ</m:t>
                     </m:r>
                     <m:r>
-                      <a:rPr lang="en-US" sz="1600"/>
+                      <a:rPr lang="en-US" sz="1600">
+                        <a:latin typeface="Cambria Math" panose="02040503050406030204" pitchFamily="18" charset="0"/>
+                      </a:rPr>
                       <m:t>𝑡</m:t>
                     </m:r>
                   </m:oMath>
@@ -35253,7 +35509,7 @@
             </p:txBody>
           </p:sp>
         </mc:Choice>
-        <mc:Fallback>
+        <mc:Fallback xmlns="">
           <p:sp>
             <p:nvSpPr>
               <p:cNvPr id="2" name="Content Placeholder 1">
@@ -35293,8 +35549,8 @@
           </p:sp>
         </mc:Fallback>
       </mc:AlternateContent>
-      <mc:AlternateContent xmlns:mc="http://schemas.openxmlformats.org/markup-compatibility/2006">
-        <mc:Choice xmlns:a14="http://schemas.microsoft.com/office/drawing/2010/main" Requires="a14">
+      <mc:AlternateContent xmlns:mc="http://schemas.openxmlformats.org/markup-compatibility/2006" xmlns:a14="http://schemas.microsoft.com/office/drawing/2010/main">
+        <mc:Choice Requires="a14">
           <p:sp>
             <p:nvSpPr>
               <p:cNvPr id="3" name="Content Placeholder 2">
@@ -35355,18 +35611,24 @@
                 <a14:m>
                   <m:oMath xmlns:m="http://schemas.openxmlformats.org/officeDocument/2006/math">
                     <m:r>
-                      <a:rPr lang="en-US" sz="1500"/>
+                      <a:rPr lang="en-US" sz="1500">
+                        <a:latin typeface="Cambria Math" panose="02040503050406030204" pitchFamily="18" charset="0"/>
+                      </a:rPr>
                       <m:t>𝑦</m:t>
                     </m:r>
                     <m:d>
                       <m:dPr>
                         <m:ctrlPr>
-                          <a:rPr lang="en-US" sz="1500"/>
+                          <a:rPr lang="en-US" sz="1500" i="1">
+                            <a:latin typeface="Cambria Math" panose="02040503050406030204" pitchFamily="18" charset="0"/>
+                          </a:rPr>
                         </m:ctrlPr>
                       </m:dPr>
                       <m:e>
                         <m:r>
-                          <a:rPr lang="en-US" sz="1500"/>
+                          <a:rPr lang="en-US" sz="1500">
+                            <a:latin typeface="Cambria Math" panose="02040503050406030204" pitchFamily="18" charset="0"/>
+                          </a:rPr>
                           <m:t>𝑘</m:t>
                         </m:r>
                       </m:e>
@@ -35382,16 +35644,22 @@
                     <m:d>
                       <m:dPr>
                         <m:ctrlPr>
-                          <a:rPr lang="en-US" sz="1500"/>
+                          <a:rPr lang="en-US" sz="1500" i="1">
+                            <a:latin typeface="Cambria Math" panose="02040503050406030204" pitchFamily="18" charset="0"/>
+                          </a:rPr>
                         </m:ctrlPr>
                       </m:dPr>
                       <m:e>
                         <m:r>
-                          <a:rPr lang="en-US" sz="1500"/>
+                          <a:rPr lang="en-US" sz="1500">
+                            <a:latin typeface="Cambria Math" panose="02040503050406030204" pitchFamily="18" charset="0"/>
+                          </a:rPr>
                           <m:t>𝑘</m:t>
                         </m:r>
                         <m:r>
-                          <a:rPr lang="en-US" sz="1500"/>
+                          <a:rPr lang="en-US" sz="1500">
+                            <a:latin typeface="Cambria Math" panose="02040503050406030204" pitchFamily="18" charset="0"/>
+                          </a:rPr>
                           <m:t>−1</m:t>
                         </m:r>
                       </m:e>
@@ -35415,7 +35683,7 @@
             </p:txBody>
           </p:sp>
         </mc:Choice>
-        <mc:Fallback>
+        <mc:Fallback xmlns="">
           <p:sp>
             <p:nvSpPr>
               <p:cNvPr id="3" name="Content Placeholder 2">
@@ -35484,8 +35752,8 @@
           </a:p>
         </p:txBody>
       </p:sp>
-      <mc:AlternateContent xmlns:mc="http://schemas.openxmlformats.org/markup-compatibility/2006">
-        <mc:Choice xmlns:a14="http://schemas.microsoft.com/office/drawing/2010/main" Requires="a14">
+      <mc:AlternateContent xmlns:mc="http://schemas.openxmlformats.org/markup-compatibility/2006" xmlns:a14="http://schemas.microsoft.com/office/drawing/2010/main">
+        <mc:Choice Requires="a14">
           <p:graphicFrame>
             <p:nvGraphicFramePr>
               <p:cNvPr id="5" name="Table 7">
@@ -35731,7 +35999,7 @@
             </a:graphic>
           </p:graphicFrame>
         </mc:Choice>
-        <mc:Fallback>
+        <mc:Fallback xmlns="">
           <p:graphicFrame>
             <p:nvGraphicFramePr>
               <p:cNvPr id="5" name="Table 7">
@@ -35829,8 +36097,8 @@
           </p:graphicFrame>
         </mc:Fallback>
       </mc:AlternateContent>
-      <mc:AlternateContent xmlns:mc="http://schemas.openxmlformats.org/markup-compatibility/2006">
-        <mc:Choice xmlns:a14="http://schemas.microsoft.com/office/drawing/2010/main" Requires="a14">
+      <mc:AlternateContent xmlns:mc="http://schemas.openxmlformats.org/markup-compatibility/2006" xmlns:a14="http://schemas.microsoft.com/office/drawing/2010/main">
+        <mc:Choice Requires="a14">
           <p:graphicFrame>
             <p:nvGraphicFramePr>
               <p:cNvPr id="8" name="Table 7">
@@ -36116,7 +36384,7 @@
             </a:graphic>
           </p:graphicFrame>
         </mc:Choice>
-        <mc:Fallback>
+        <mc:Fallback xmlns="">
           <p:graphicFrame>
             <p:nvGraphicFramePr>
               <p:cNvPr id="8" name="Table 7">
@@ -36214,8 +36482,8 @@
           </p:graphicFrame>
         </mc:Fallback>
       </mc:AlternateContent>
-      <mc:AlternateContent xmlns:mc="http://schemas.openxmlformats.org/markup-compatibility/2006">
-        <mc:Choice xmlns:a14="http://schemas.microsoft.com/office/drawing/2010/main" Requires="a14">
+      <mc:AlternateContent xmlns:mc="http://schemas.openxmlformats.org/markup-compatibility/2006" xmlns:a14="http://schemas.microsoft.com/office/drawing/2010/main">
+        <mc:Choice Requires="a14">
           <p:graphicFrame>
             <p:nvGraphicFramePr>
               <p:cNvPr id="9" name="Table 8">
@@ -36510,7 +36778,7 @@
             </a:graphic>
           </p:graphicFrame>
         </mc:Choice>
-        <mc:Fallback>
+        <mc:Fallback xmlns="">
           <p:graphicFrame>
             <p:nvGraphicFramePr>
               <p:cNvPr id="9" name="Table 8">
@@ -37137,8 +37405,8 @@
           </a:p>
         </p:txBody>
       </p:sp>
-      <mc:AlternateContent xmlns:mc="http://schemas.openxmlformats.org/markup-compatibility/2006">
-        <mc:Choice xmlns:a14="http://schemas.microsoft.com/office/drawing/2010/main" Requires="a14">
+      <mc:AlternateContent xmlns:mc="http://schemas.openxmlformats.org/markup-compatibility/2006" xmlns:a14="http://schemas.microsoft.com/office/drawing/2010/main">
+        <mc:Choice Requires="a14">
           <p:graphicFrame>
             <p:nvGraphicFramePr>
               <p:cNvPr id="5" name="Table 7">
@@ -37471,7 +37739,7 @@
             </a:graphic>
           </p:graphicFrame>
         </mc:Choice>
-        <mc:Fallback>
+        <mc:Fallback xmlns="">
           <p:graphicFrame>
             <p:nvGraphicFramePr>
               <p:cNvPr id="5" name="Table 7">
@@ -37569,8 +37837,8 @@
           </p:graphicFrame>
         </mc:Fallback>
       </mc:AlternateContent>
-      <mc:AlternateContent xmlns:mc="http://schemas.openxmlformats.org/markup-compatibility/2006">
-        <mc:Choice xmlns:a14="http://schemas.microsoft.com/office/drawing/2010/main" Requires="a14">
+      <mc:AlternateContent xmlns:mc="http://schemas.openxmlformats.org/markup-compatibility/2006" xmlns:a14="http://schemas.microsoft.com/office/drawing/2010/main">
+        <mc:Choice Requires="a14">
           <p:graphicFrame>
             <p:nvGraphicFramePr>
               <p:cNvPr id="6" name="Table 7">
@@ -37782,7 +38050,7 @@
             </a:graphic>
           </p:graphicFrame>
         </mc:Choice>
-        <mc:Fallback>
+        <mc:Fallback xmlns="">
           <p:graphicFrame>
             <p:nvGraphicFramePr>
               <p:cNvPr id="6" name="Table 7">
@@ -37880,8 +38148,8 @@
           </p:graphicFrame>
         </mc:Fallback>
       </mc:AlternateContent>
-      <mc:AlternateContent xmlns:mc="http://schemas.openxmlformats.org/markup-compatibility/2006">
-        <mc:Choice xmlns:a14="http://schemas.microsoft.com/office/drawing/2010/main" Requires="a14">
+      <mc:AlternateContent xmlns:mc="http://schemas.openxmlformats.org/markup-compatibility/2006" xmlns:a14="http://schemas.microsoft.com/office/drawing/2010/main">
+        <mc:Choice Requires="a14">
           <p:graphicFrame>
             <p:nvGraphicFramePr>
               <p:cNvPr id="7" name="Table 7">
@@ -38431,7 +38699,7 @@
             </a:graphic>
           </p:graphicFrame>
         </mc:Choice>
-        <mc:Fallback>
+        <mc:Fallback xmlns="">
           <p:graphicFrame>
             <p:nvGraphicFramePr>
               <p:cNvPr id="7" name="Table 7">
@@ -38574,8 +38842,8 @@
           </p:graphicFrame>
         </mc:Fallback>
       </mc:AlternateContent>
-      <mc:AlternateContent xmlns:mc="http://schemas.openxmlformats.org/markup-compatibility/2006">
-        <mc:Choice xmlns:a14="http://schemas.microsoft.com/office/drawing/2010/main" Requires="a14">
+      <mc:AlternateContent xmlns:mc="http://schemas.openxmlformats.org/markup-compatibility/2006" xmlns:a14="http://schemas.microsoft.com/office/drawing/2010/main">
+        <mc:Choice Requires="a14">
           <p:graphicFrame>
             <p:nvGraphicFramePr>
               <p:cNvPr id="10" name="Table 7">
@@ -38846,7 +39114,7 @@
             </a:graphic>
           </p:graphicFrame>
         </mc:Choice>
-        <mc:Fallback>
+        <mc:Fallback xmlns="">
           <p:graphicFrame>
             <p:nvGraphicFramePr>
               <p:cNvPr id="10" name="Table 7">
@@ -39029,8 +39297,8 @@
           <a:chExt cx="0" cy="0"/>
         </a:xfrm>
       </p:grpSpPr>
-      <mc:AlternateContent xmlns:mc="http://schemas.openxmlformats.org/markup-compatibility/2006">
-        <mc:Choice xmlns:a14="http://schemas.microsoft.com/office/drawing/2010/main" Requires="a14">
+      <mc:AlternateContent xmlns:mc="http://schemas.openxmlformats.org/markup-compatibility/2006" xmlns:a14="http://schemas.microsoft.com/office/drawing/2010/main">
+        <mc:Choice Requires="a14">
           <p:sp>
             <p:nvSpPr>
               <p:cNvPr id="2" name="Content Placeholder 1">
@@ -39068,18 +39336,24 @@
                     <m:sSub>
                       <m:sSubPr>
                         <m:ctrlPr>
-                          <a:rPr lang="en-US" sz="1600"/>
+                          <a:rPr lang="en-US" sz="1600" i="1">
+                            <a:latin typeface="Cambria Math" panose="02040503050406030204" pitchFamily="18" charset="0"/>
+                          </a:rPr>
                         </m:ctrlPr>
                       </m:sSubPr>
                       <m:e>
                         <m:r>
-                          <a:rPr lang="en-US" sz="1600"/>
+                          <a:rPr lang="en-US" sz="1600">
+                            <a:latin typeface="Cambria Math" panose="02040503050406030204" pitchFamily="18" charset="0"/>
+                          </a:rPr>
                           <m:t>𝑥</m:t>
                         </m:r>
                       </m:e>
                       <m:sub>
                         <m:r>
-                          <a:rPr lang="en-US" sz="1600"/>
+                          <a:rPr lang="en-US" sz="1600">
+                            <a:latin typeface="Cambria Math" panose="02040503050406030204" pitchFamily="18" charset="0"/>
+                          </a:rPr>
                           <m:t>1</m:t>
                         </m:r>
                       </m:sub>
@@ -39095,18 +39369,24 @@
                     <m:sSub>
                       <m:sSubPr>
                         <m:ctrlPr>
-                          <a:rPr lang="en-US" sz="1600"/>
+                          <a:rPr lang="en-US" sz="1600" i="1">
+                            <a:latin typeface="Cambria Math" panose="02040503050406030204" pitchFamily="18" charset="0"/>
+                          </a:rPr>
                         </m:ctrlPr>
                       </m:sSubPr>
                       <m:e>
                         <m:r>
-                          <a:rPr lang="en-US" sz="1600"/>
+                          <a:rPr lang="en-US" sz="1600">
+                            <a:latin typeface="Cambria Math" panose="02040503050406030204" pitchFamily="18" charset="0"/>
+                          </a:rPr>
                           <m:t>𝑥</m:t>
                         </m:r>
                       </m:e>
                       <m:sub>
                         <m:r>
-                          <a:rPr lang="en-US" sz="1600"/>
+                          <a:rPr lang="en-US" sz="1600">
+                            <a:latin typeface="Cambria Math" panose="02040503050406030204" pitchFamily="18" charset="0"/>
+                          </a:rPr>
                           <m:t>2</m:t>
                         </m:r>
                       </m:sub>
@@ -39192,7 +39472,7 @@
             </p:txBody>
           </p:sp>
         </mc:Choice>
-        <mc:Fallback>
+        <mc:Fallback xmlns="">
           <p:sp>
             <p:nvSpPr>
               <p:cNvPr id="2" name="Content Placeholder 1">
@@ -39291,8 +39571,8 @@
           </a:p>
         </p:txBody>
       </p:sp>
-      <mc:AlternateContent xmlns:mc="http://schemas.openxmlformats.org/markup-compatibility/2006">
-        <mc:Choice xmlns:a14="http://schemas.microsoft.com/office/drawing/2010/main" Requires="a14">
+      <mc:AlternateContent xmlns:mc="http://schemas.openxmlformats.org/markup-compatibility/2006" xmlns:a14="http://schemas.microsoft.com/office/drawing/2010/main">
+        <mc:Choice Requires="a14">
           <p:graphicFrame>
             <p:nvGraphicFramePr>
               <p:cNvPr id="5" name="Table 7">
@@ -39861,7 +40141,7 @@
             </a:graphic>
           </p:graphicFrame>
         </mc:Choice>
-        <mc:Fallback>
+        <mc:Fallback xmlns="">
           <p:graphicFrame>
             <p:nvGraphicFramePr>
               <p:cNvPr id="5" name="Table 7">
@@ -39959,8 +40239,8 @@
           </p:graphicFrame>
         </mc:Fallback>
       </mc:AlternateContent>
-      <mc:AlternateContent xmlns:mc="http://schemas.openxmlformats.org/markup-compatibility/2006">
-        <mc:Choice xmlns:a14="http://schemas.microsoft.com/office/drawing/2010/main" Requires="a14">
+      <mc:AlternateContent xmlns:mc="http://schemas.openxmlformats.org/markup-compatibility/2006" xmlns:a14="http://schemas.microsoft.com/office/drawing/2010/main">
+        <mc:Choice Requires="a14">
           <p:graphicFrame>
             <p:nvGraphicFramePr>
               <p:cNvPr id="6" name="Table 7">
@@ -40515,7 +40795,7 @@
             </a:graphic>
           </p:graphicFrame>
         </mc:Choice>
-        <mc:Fallback>
+        <mc:Fallback xmlns="">
           <p:graphicFrame>
             <p:nvGraphicFramePr>
               <p:cNvPr id="6" name="Table 7">
@@ -41568,8 +41848,8 @@
           <a:chExt cx="0" cy="0"/>
         </a:xfrm>
       </p:grpSpPr>
-      <mc:AlternateContent xmlns:mc="http://schemas.openxmlformats.org/markup-compatibility/2006">
-        <mc:Choice xmlns:a14="http://schemas.microsoft.com/office/drawing/2010/main" Requires="a14">
+      <mc:AlternateContent xmlns:mc="http://schemas.openxmlformats.org/markup-compatibility/2006" xmlns:a14="http://schemas.microsoft.com/office/drawing/2010/main">
+        <mc:Choice Requires="a14">
           <p:sp>
             <p:nvSpPr>
               <p:cNvPr id="2" name="Content Placeholder 1">
@@ -41862,6 +42142,7 @@
                   <m:oMath xmlns:m="http://schemas.openxmlformats.org/officeDocument/2006/math">
                     <m:r>
                       <a:rPr lang="en-GB" sz="1500">
+                        <a:latin typeface="Cambria Math" panose="02040503050406030204" pitchFamily="18" charset="0"/>
                         <a:ea typeface="Times New Roman" panose="02020603050405020304" pitchFamily="18" charset="0"/>
                         <a:cs typeface="Times New Roman" panose="02020603050405020304" pitchFamily="18" charset="0"/>
                       </a:rPr>
@@ -41869,6 +42150,7 @@
                     </m:r>
                     <m:r>
                       <a:rPr lang="en-GB" sz="1500">
+                        <a:latin typeface="Cambria Math" panose="02040503050406030204" pitchFamily="18" charset="0"/>
                         <a:ea typeface="Times New Roman" panose="02020603050405020304" pitchFamily="18" charset="0"/>
                         <a:cs typeface="Times New Roman" panose="02020603050405020304" pitchFamily="18" charset="0"/>
                       </a:rPr>
@@ -41876,6 +42158,7 @@
                     </m:r>
                     <m:r>
                       <a:rPr lang="en-GB" sz="1500">
+                        <a:latin typeface="Cambria Math" panose="02040503050406030204" pitchFamily="18" charset="0"/>
                         <a:ea typeface="Times New Roman" panose="02020603050405020304" pitchFamily="18" charset="0"/>
                         <a:cs typeface="Times New Roman" panose="02020603050405020304" pitchFamily="18" charset="0"/>
                       </a:rPr>
@@ -41894,6 +42177,7 @@
                   <m:oMath xmlns:m="http://schemas.openxmlformats.org/officeDocument/2006/math">
                     <m:r>
                       <a:rPr lang="en-GB" sz="1500">
+                        <a:latin typeface="Cambria Math" panose="02040503050406030204" pitchFamily="18" charset="0"/>
                         <a:ea typeface="Times New Roman" panose="02020603050405020304" pitchFamily="18" charset="0"/>
                         <a:cs typeface="Times New Roman" panose="02020603050405020304" pitchFamily="18" charset="0"/>
                       </a:rPr>
@@ -41902,7 +42186,8 @@
                     <m:d>
                       <m:dPr>
                         <m:ctrlPr>
-                          <a:rPr lang="en-GB" sz="1500">
+                          <a:rPr lang="en-GB" sz="1500" i="1">
+                            <a:latin typeface="Cambria Math" panose="02040503050406030204" pitchFamily="18" charset="0"/>
                             <a:ea typeface="Times New Roman" panose="02020603050405020304" pitchFamily="18" charset="0"/>
                             <a:cs typeface="Times New Roman" panose="02020603050405020304" pitchFamily="18" charset="0"/>
                           </a:rPr>
@@ -41911,6 +42196,7 @@
                       <m:e>
                         <m:r>
                           <a:rPr lang="en-GB" sz="1500">
+                            <a:latin typeface="Cambria Math" panose="02040503050406030204" pitchFamily="18" charset="0"/>
                             <a:ea typeface="Times New Roman" panose="02020603050405020304" pitchFamily="18" charset="0"/>
                             <a:cs typeface="Times New Roman" panose="02020603050405020304" pitchFamily="18" charset="0"/>
                           </a:rPr>
@@ -41918,6 +42204,7 @@
                         </m:r>
                         <m:r>
                           <a:rPr lang="en-GB" sz="1500">
+                            <a:latin typeface="Cambria Math" panose="02040503050406030204" pitchFamily="18" charset="0"/>
                             <a:ea typeface="Times New Roman" panose="02020603050405020304" pitchFamily="18" charset="0"/>
                             <a:cs typeface="Times New Roman" panose="02020603050405020304" pitchFamily="18" charset="0"/>
                           </a:rPr>
@@ -41925,6 +42212,7 @@
                         </m:r>
                         <m:r>
                           <a:rPr lang="en-GB" sz="1500">
+                            <a:latin typeface="Cambria Math" panose="02040503050406030204" pitchFamily="18" charset="0"/>
                             <a:ea typeface="Times New Roman" panose="02020603050405020304" pitchFamily="18" charset="0"/>
                             <a:cs typeface="Times New Roman" panose="02020603050405020304" pitchFamily="18" charset="0"/>
                           </a:rPr>
@@ -41965,7 +42253,7 @@
             </p:txBody>
           </p:sp>
         </mc:Choice>
-        <mc:Fallback>
+        <mc:Fallback xmlns="">
           <p:sp>
             <p:nvSpPr>
               <p:cNvPr id="2" name="Content Placeholder 1">
@@ -42009,8 +42297,8 @@
           </p:sp>
         </mc:Fallback>
       </mc:AlternateContent>
-      <mc:AlternateContent xmlns:mc="http://schemas.openxmlformats.org/markup-compatibility/2006">
-        <mc:Choice xmlns:a14="http://schemas.microsoft.com/office/drawing/2010/main" Requires="a14">
+      <mc:AlternateContent xmlns:mc="http://schemas.openxmlformats.org/markup-compatibility/2006" xmlns:a14="http://schemas.microsoft.com/office/drawing/2010/main">
+        <mc:Choice Requires="a14">
           <p:sp>
             <p:nvSpPr>
               <p:cNvPr id="3" name="Content Placeholder 2">
@@ -42049,6 +42337,7 @@
                   <m:oMath xmlns:m="http://schemas.openxmlformats.org/officeDocument/2006/math">
                     <m:r>
                       <a:rPr lang="en-GB" sz="1500">
+                        <a:latin typeface="Cambria Math" panose="02040503050406030204" pitchFamily="18" charset="0"/>
                         <a:ea typeface="Times New Roman" panose="02020603050405020304" pitchFamily="18" charset="0"/>
                         <a:cs typeface="Times New Roman" panose="02020603050405020304" pitchFamily="18" charset="0"/>
                       </a:rPr>
@@ -42056,6 +42345,7 @@
                     </m:r>
                     <m:r>
                       <a:rPr lang="en-GB" sz="1500">
+                        <a:latin typeface="Cambria Math" panose="02040503050406030204" pitchFamily="18" charset="0"/>
                         <a:ea typeface="Times New Roman" panose="02020603050405020304" pitchFamily="18" charset="0"/>
                         <a:cs typeface="Times New Roman" panose="02020603050405020304" pitchFamily="18" charset="0"/>
                       </a:rPr>
@@ -42063,6 +42353,7 @@
                     </m:r>
                     <m:r>
                       <a:rPr lang="en-GB" sz="1500">
+                        <a:latin typeface="Cambria Math" panose="02040503050406030204" pitchFamily="18" charset="0"/>
                         <a:ea typeface="Times New Roman" panose="02020603050405020304" pitchFamily="18" charset="0"/>
                         <a:cs typeface="Times New Roman" panose="02020603050405020304" pitchFamily="18" charset="0"/>
                       </a:rPr>
@@ -42071,7 +42362,8 @@
                     <m:d>
                       <m:dPr>
                         <m:ctrlPr>
-                          <a:rPr lang="en-GB" sz="1500">
+                          <a:rPr lang="en-GB" sz="1500" i="1">
+                            <a:latin typeface="Cambria Math" panose="02040503050406030204" pitchFamily="18" charset="0"/>
                             <a:ea typeface="Times New Roman" panose="02020603050405020304" pitchFamily="18" charset="0"/>
                             <a:cs typeface="Times New Roman" panose="02020603050405020304" pitchFamily="18" charset="0"/>
                           </a:rPr>
@@ -42080,6 +42372,7 @@
                       <m:e>
                         <m:r>
                           <a:rPr lang="en-GB" sz="1500">
+                            <a:latin typeface="Cambria Math" panose="02040503050406030204" pitchFamily="18" charset="0"/>
                             <a:ea typeface="Times New Roman" panose="02020603050405020304" pitchFamily="18" charset="0"/>
                             <a:cs typeface="Times New Roman" panose="02020603050405020304" pitchFamily="18" charset="0"/>
                           </a:rPr>
@@ -42087,6 +42380,7 @@
                         </m:r>
                         <m:r>
                           <a:rPr lang="en-GB" sz="1500">
+                            <a:latin typeface="Cambria Math" panose="02040503050406030204" pitchFamily="18" charset="0"/>
                             <a:ea typeface="Times New Roman" panose="02020603050405020304" pitchFamily="18" charset="0"/>
                             <a:cs typeface="Times New Roman" panose="02020603050405020304" pitchFamily="18" charset="0"/>
                           </a:rPr>
@@ -42094,6 +42388,7 @@
                         </m:r>
                         <m:r>
                           <a:rPr lang="en-GB" sz="1500">
+                            <a:latin typeface="Cambria Math" panose="02040503050406030204" pitchFamily="18" charset="0"/>
                             <a:ea typeface="Times New Roman" panose="02020603050405020304" pitchFamily="18" charset="0"/>
                             <a:cs typeface="Times New Roman" panose="02020603050405020304" pitchFamily="18" charset="0"/>
                           </a:rPr>
@@ -42114,6 +42409,7 @@
                   <m:oMath xmlns:m="http://schemas.openxmlformats.org/officeDocument/2006/math">
                     <m:r>
                       <a:rPr lang="en-GB" sz="1500">
+                        <a:latin typeface="Cambria Math" panose="02040503050406030204" pitchFamily="18" charset="0"/>
                         <a:ea typeface="Times New Roman" panose="02020603050405020304" pitchFamily="18" charset="0"/>
                         <a:cs typeface="Times New Roman" panose="02020603050405020304" pitchFamily="18" charset="0"/>
                       </a:rPr>
@@ -42121,6 +42417,7 @@
                     </m:r>
                     <m:r>
                       <a:rPr lang="en-GB" sz="1500">
+                        <a:latin typeface="Cambria Math" panose="02040503050406030204" pitchFamily="18" charset="0"/>
                         <a:ea typeface="Times New Roman" panose="02020603050405020304" pitchFamily="18" charset="0"/>
                         <a:cs typeface="Times New Roman" panose="02020603050405020304" pitchFamily="18" charset="0"/>
                       </a:rPr>
@@ -42128,6 +42425,7 @@
                     </m:r>
                     <m:r>
                       <a:rPr lang="en-GB" sz="1500">
+                        <a:latin typeface="Cambria Math" panose="02040503050406030204" pitchFamily="18" charset="0"/>
                         <a:ea typeface="Times New Roman" panose="02020603050405020304" pitchFamily="18" charset="0"/>
                         <a:cs typeface="Times New Roman" panose="02020603050405020304" pitchFamily="18" charset="0"/>
                       </a:rPr>
@@ -42136,7 +42434,8 @@
                     <m:d>
                       <m:dPr>
                         <m:ctrlPr>
-                          <a:rPr lang="en-GB" sz="1500">
+                          <a:rPr lang="en-GB" sz="1500" i="1">
+                            <a:latin typeface="Cambria Math" panose="02040503050406030204" pitchFamily="18" charset="0"/>
                             <a:ea typeface="Times New Roman" panose="02020603050405020304" pitchFamily="18" charset="0"/>
                             <a:cs typeface="Times New Roman" panose="02020603050405020304" pitchFamily="18" charset="0"/>
                           </a:rPr>
@@ -42145,6 +42444,7 @@
                       <m:e>
                         <m:r>
                           <a:rPr lang="en-GB" sz="1500">
+                            <a:latin typeface="Cambria Math" panose="02040503050406030204" pitchFamily="18" charset="0"/>
                             <a:ea typeface="Times New Roman" panose="02020603050405020304" pitchFamily="18" charset="0"/>
                             <a:cs typeface="Times New Roman" panose="02020603050405020304" pitchFamily="18" charset="0"/>
                           </a:rPr>
@@ -42168,7 +42468,7 @@
             </p:txBody>
           </p:sp>
         </mc:Choice>
-        <mc:Fallback>
+        <mc:Fallback xmlns="">
           <p:sp>
             <p:nvSpPr>
               <p:cNvPr id="3" name="Content Placeholder 2">
@@ -42267,8 +42567,8 @@
           </a:prstGeom>
         </p:spPr>
       </p:pic>
-      <mc:AlternateContent xmlns:mc="http://schemas.openxmlformats.org/markup-compatibility/2006">
-        <mc:Choice xmlns:a14="http://schemas.microsoft.com/office/drawing/2010/main" Requires="a14">
+      <mc:AlternateContent xmlns:mc="http://schemas.openxmlformats.org/markup-compatibility/2006" xmlns:a14="http://schemas.microsoft.com/office/drawing/2010/main">
+        <mc:Choice Requires="a14">
           <p:graphicFrame>
             <p:nvGraphicFramePr>
               <p:cNvPr id="7" name="Table 7">
@@ -42332,12 +42632,13 @@
                                   <m:accPr>
                                     <m:chr m:val="̇"/>
                                     <m:ctrlPr>
-                                      <a:rPr lang="en-US" sz="1600" b="0" smtClean="0">
+                                      <a:rPr lang="en-US" sz="1600" b="0" i="1" smtClean="0">
                                         <a:solidFill>
                                           <a:schemeClr val="bg2">
                                             <a:lumMod val="50000"/>
                                           </a:schemeClr>
                                         </a:solidFill>
+                                        <a:latin typeface="Cambria Math" panose="02040503050406030204" pitchFamily="18" charset="0"/>
                                       </a:rPr>
                                     </m:ctrlPr>
                                   </m:accPr>
@@ -42349,6 +42650,7 @@
                                             <a:lumMod val="50000"/>
                                           </a:schemeClr>
                                         </a:solidFill>
+                                        <a:latin typeface="Cambria Math" panose="02040503050406030204" pitchFamily="18" charset="0"/>
                                       </a:rPr>
                                       <m:t>𝑥</m:t>
                                     </m:r>
@@ -42357,12 +42659,13 @@
                                 <m:d>
                                   <m:dPr>
                                     <m:ctrlPr>
-                                      <a:rPr lang="en-US" sz="1600" b="0" smtClean="0">
+                                      <a:rPr lang="en-US" sz="1600" b="0" i="1" smtClean="0">
                                         <a:solidFill>
                                           <a:schemeClr val="bg2">
                                             <a:lumMod val="50000"/>
                                           </a:schemeClr>
                                         </a:solidFill>
+                                        <a:latin typeface="Cambria Math" panose="02040503050406030204" pitchFamily="18" charset="0"/>
                                       </a:rPr>
                                     </m:ctrlPr>
                                   </m:dPr>
@@ -42374,6 +42677,7 @@
                                             <a:lumMod val="50000"/>
                                           </a:schemeClr>
                                         </a:solidFill>
+                                        <a:latin typeface="Cambria Math" panose="02040503050406030204" pitchFamily="18" charset="0"/>
                                       </a:rPr>
                                       <m:t>𝑡</m:t>
                                     </m:r>
@@ -42386,6 +42690,7 @@
                                         <a:lumMod val="50000"/>
                                       </a:schemeClr>
                                     </a:solidFill>
+                                    <a:latin typeface="Cambria Math" panose="02040503050406030204" pitchFamily="18" charset="0"/>
                                   </a:rPr>
                                   <m:t>=</m:t>
                                 </m:r>
@@ -42396,18 +42701,20 @@
                                         <a:lumMod val="50000"/>
                                       </a:schemeClr>
                                     </a:solidFill>
+                                    <a:latin typeface="Cambria Math" panose="02040503050406030204" pitchFamily="18" charset="0"/>
                                   </a:rPr>
                                   <m:t>𝑓</m:t>
                                 </m:r>
                                 <m:d>
                                   <m:dPr>
                                     <m:ctrlPr>
-                                      <a:rPr lang="en-US" sz="1600" b="0" smtClean="0">
+                                      <a:rPr lang="en-US" sz="1600" b="0" i="1" smtClean="0">
                                         <a:solidFill>
                                           <a:schemeClr val="bg2">
                                             <a:lumMod val="50000"/>
                                           </a:schemeClr>
                                         </a:solidFill>
+                                        <a:latin typeface="Cambria Math" panose="02040503050406030204" pitchFamily="18" charset="0"/>
                                       </a:rPr>
                                     </m:ctrlPr>
                                   </m:dPr>
@@ -42419,18 +42726,20 @@
                                             <a:lumMod val="50000"/>
                                           </a:schemeClr>
                                         </a:solidFill>
+                                        <a:latin typeface="Cambria Math" panose="02040503050406030204" pitchFamily="18" charset="0"/>
                                       </a:rPr>
                                       <m:t>𝑥</m:t>
                                     </m:r>
                                     <m:d>
                                       <m:dPr>
                                         <m:ctrlPr>
-                                          <a:rPr lang="en-US" sz="1600" b="0" smtClean="0">
+                                          <a:rPr lang="en-US" sz="1600" b="0" i="1" smtClean="0">
                                             <a:solidFill>
                                               <a:schemeClr val="bg2">
                                                 <a:lumMod val="50000"/>
                                               </a:schemeClr>
                                             </a:solidFill>
+                                            <a:latin typeface="Cambria Math" panose="02040503050406030204" pitchFamily="18" charset="0"/>
                                           </a:rPr>
                                         </m:ctrlPr>
                                       </m:dPr>
@@ -42442,6 +42751,7 @@
                                                 <a:lumMod val="50000"/>
                                               </a:schemeClr>
                                             </a:solidFill>
+                                            <a:latin typeface="Cambria Math" panose="02040503050406030204" pitchFamily="18" charset="0"/>
                                           </a:rPr>
                                           <m:t>𝑡</m:t>
                                         </m:r>
@@ -42454,6 +42764,7 @@
                                             <a:lumMod val="50000"/>
                                           </a:schemeClr>
                                         </a:solidFill>
+                                        <a:latin typeface="Cambria Math" panose="02040503050406030204" pitchFamily="18" charset="0"/>
                                       </a:rPr>
                                       <m:t>,</m:t>
                                     </m:r>
@@ -42464,6 +42775,7 @@
                                             <a:lumMod val="50000"/>
                                           </a:schemeClr>
                                         </a:solidFill>
+                                        <a:latin typeface="Cambria Math" panose="02040503050406030204" pitchFamily="18" charset="0"/>
                                       </a:rPr>
                                       <m:t>𝑡</m:t>
                                     </m:r>
@@ -42515,7 +42827,7 @@
             </a:graphic>
           </p:graphicFrame>
         </mc:Choice>
-        <mc:Fallback>
+        <mc:Fallback xmlns="">
           <p:graphicFrame>
             <p:nvGraphicFramePr>
               <p:cNvPr id="7" name="Table 7">
@@ -42930,8 +43242,8 @@
           <a:chExt cx="0" cy="0"/>
         </a:xfrm>
       </p:grpSpPr>
-      <mc:AlternateContent xmlns:mc="http://schemas.openxmlformats.org/markup-compatibility/2006">
-        <mc:Choice xmlns:a14="http://schemas.microsoft.com/office/drawing/2010/main" Requires="a14">
+      <mc:AlternateContent xmlns:mc="http://schemas.openxmlformats.org/markup-compatibility/2006" xmlns:a14="http://schemas.microsoft.com/office/drawing/2010/main">
+        <mc:Choice Requires="a14">
           <p:sp>
             <p:nvSpPr>
               <p:cNvPr id="2" name="Content Placeholder 1">
@@ -43065,12 +43377,14 @@
                   <m:oMath xmlns:m="http://schemas.openxmlformats.org/officeDocument/2006/math">
                     <m:r>
                       <a:rPr lang="en-GB" sz="1700" smtClean="0">
+                        <a:latin typeface="Cambria Math" panose="02040503050406030204" pitchFamily="18" charset="0"/>
                         <a:cs typeface="Times New Roman" panose="02020603050405020304" pitchFamily="18" charset="0"/>
                       </a:rPr>
                       <m:t>𝑞</m:t>
                     </m:r>
                     <m:r>
                       <a:rPr lang="en-GB" sz="1700">
+                        <a:latin typeface="Cambria Math" panose="02040503050406030204" pitchFamily="18" charset="0"/>
                         <a:cs typeface="Times New Roman" panose="02020603050405020304" pitchFamily="18" charset="0"/>
                       </a:rPr>
                       <m:t>=</m:t>
@@ -43078,7 +43392,8 @@
                     <m:d>
                       <m:dPr>
                         <m:ctrlPr>
-                          <a:rPr lang="en-GB" sz="1700">
+                          <a:rPr lang="en-GB" sz="1700" i="1">
+                            <a:latin typeface="Cambria Math" panose="02040503050406030204" pitchFamily="18" charset="0"/>
                             <a:cs typeface="Times New Roman" panose="02020603050405020304" pitchFamily="18" charset="0"/>
                           </a:rPr>
                         </m:ctrlPr>
@@ -43087,7 +43402,8 @@
                         <m:sSub>
                           <m:sSubPr>
                             <m:ctrlPr>
-                              <a:rPr lang="en-GB" sz="1700">
+                              <a:rPr lang="en-GB" sz="1700" i="1">
+                                <a:latin typeface="Cambria Math" panose="02040503050406030204" pitchFamily="18" charset="0"/>
                                 <a:cs typeface="Times New Roman" panose="02020603050405020304" pitchFamily="18" charset="0"/>
                               </a:rPr>
                             </m:ctrlPr>
@@ -43095,6 +43411,7 @@
                           <m:e>
                             <m:r>
                               <a:rPr lang="en-GB" sz="1700">
+                                <a:latin typeface="Cambria Math" panose="02040503050406030204" pitchFamily="18" charset="0"/>
                                 <a:cs typeface="Times New Roman" panose="02020603050405020304" pitchFamily="18" charset="0"/>
                               </a:rPr>
                               <m:t>𝑞</m:t>
@@ -43103,6 +43420,7 @@
                           <m:sub>
                             <m:r>
                               <a:rPr lang="en-GB" sz="1700">
+                                <a:latin typeface="Cambria Math" panose="02040503050406030204" pitchFamily="18" charset="0"/>
                                 <a:cs typeface="Times New Roman" panose="02020603050405020304" pitchFamily="18" charset="0"/>
                               </a:rPr>
                               <m:t>1</m:t>
@@ -43111,6 +43429,7 @@
                         </m:sSub>
                         <m:r>
                           <a:rPr lang="en-GB" sz="1700">
+                            <a:latin typeface="Cambria Math" panose="02040503050406030204" pitchFamily="18" charset="0"/>
                             <a:cs typeface="Times New Roman" panose="02020603050405020304" pitchFamily="18" charset="0"/>
                           </a:rPr>
                           <m:t>,</m:t>
@@ -43118,7 +43437,8 @@
                         <m:sSub>
                           <m:sSubPr>
                             <m:ctrlPr>
-                              <a:rPr lang="en-GB" sz="1700">
+                              <a:rPr lang="en-GB" sz="1700" i="1">
+                                <a:latin typeface="Cambria Math" panose="02040503050406030204" pitchFamily="18" charset="0"/>
                                 <a:cs typeface="Times New Roman" panose="02020603050405020304" pitchFamily="18" charset="0"/>
                               </a:rPr>
                             </m:ctrlPr>
@@ -43126,6 +43446,7 @@
                           <m:e>
                             <m:r>
                               <a:rPr lang="en-GB" sz="1700">
+                                <a:latin typeface="Cambria Math" panose="02040503050406030204" pitchFamily="18" charset="0"/>
                                 <a:cs typeface="Times New Roman" panose="02020603050405020304" pitchFamily="18" charset="0"/>
                               </a:rPr>
                               <m:t>𝑞</m:t>
@@ -43134,6 +43455,7 @@
                           <m:sub>
                             <m:r>
                               <a:rPr lang="en-GB" sz="1700">
+                                <a:latin typeface="Cambria Math" panose="02040503050406030204" pitchFamily="18" charset="0"/>
                                 <a:cs typeface="Times New Roman" panose="02020603050405020304" pitchFamily="18" charset="0"/>
                               </a:rPr>
                               <m:t>2</m:t>
@@ -43164,12 +43486,14 @@
                   <m:oMath xmlns:m="http://schemas.openxmlformats.org/officeDocument/2006/math">
                     <m:r>
                       <a:rPr lang="en-GB" sz="1700">
+                        <a:latin typeface="Cambria Math" panose="02040503050406030204" pitchFamily="18" charset="0"/>
                         <a:cs typeface="Times New Roman" panose="02020603050405020304" pitchFamily="18" charset="0"/>
                       </a:rPr>
                       <m:t>𝑖</m:t>
                     </m:r>
                     <m:r>
                       <a:rPr lang="en-GB" sz="1700">
+                        <a:latin typeface="Cambria Math" panose="02040503050406030204" pitchFamily="18" charset="0"/>
                         <a:cs typeface="Times New Roman" panose="02020603050405020304" pitchFamily="18" charset="0"/>
                       </a:rPr>
                       <m:t>=</m:t>
@@ -43177,7 +43501,8 @@
                     <m:d>
                       <m:dPr>
                         <m:ctrlPr>
-                          <a:rPr lang="en-GB" sz="1700">
+                          <a:rPr lang="en-GB" sz="1700" i="1">
+                            <a:latin typeface="Cambria Math" panose="02040503050406030204" pitchFamily="18" charset="0"/>
                             <a:cs typeface="Times New Roman" panose="02020603050405020304" pitchFamily="18" charset="0"/>
                           </a:rPr>
                         </m:ctrlPr>
@@ -43186,7 +43511,8 @@
                         <m:sSub>
                           <m:sSubPr>
                             <m:ctrlPr>
-                              <a:rPr lang="en-GB" sz="1700">
+                              <a:rPr lang="en-GB" sz="1700" i="1">
+                                <a:latin typeface="Cambria Math" panose="02040503050406030204" pitchFamily="18" charset="0"/>
                                 <a:cs typeface="Times New Roman" panose="02020603050405020304" pitchFamily="18" charset="0"/>
                               </a:rPr>
                             </m:ctrlPr>
@@ -43194,6 +43520,7 @@
                           <m:e>
                             <m:r>
                               <a:rPr lang="en-GB" sz="1700">
+                                <a:latin typeface="Cambria Math" panose="02040503050406030204" pitchFamily="18" charset="0"/>
                                 <a:cs typeface="Times New Roman" panose="02020603050405020304" pitchFamily="18" charset="0"/>
                               </a:rPr>
                               <m:t>𝑖</m:t>
@@ -43202,6 +43529,7 @@
                           <m:sub>
                             <m:r>
                               <a:rPr lang="en-GB" sz="1700">
+                                <a:latin typeface="Cambria Math" panose="02040503050406030204" pitchFamily="18" charset="0"/>
                                 <a:cs typeface="Times New Roman" panose="02020603050405020304" pitchFamily="18" charset="0"/>
                               </a:rPr>
                               <m:t>1</m:t>
@@ -43210,6 +43538,7 @@
                         </m:sSub>
                         <m:r>
                           <a:rPr lang="en-GB" sz="1700">
+                            <a:latin typeface="Cambria Math" panose="02040503050406030204" pitchFamily="18" charset="0"/>
                             <a:cs typeface="Times New Roman" panose="02020603050405020304" pitchFamily="18" charset="0"/>
                           </a:rPr>
                           <m:t>,</m:t>
@@ -43217,7 +43546,8 @@
                         <m:sSub>
                           <m:sSubPr>
                             <m:ctrlPr>
-                              <a:rPr lang="en-GB" sz="1700">
+                              <a:rPr lang="en-GB" sz="1700" i="1">
+                                <a:latin typeface="Cambria Math" panose="02040503050406030204" pitchFamily="18" charset="0"/>
                                 <a:cs typeface="Times New Roman" panose="02020603050405020304" pitchFamily="18" charset="0"/>
                               </a:rPr>
                             </m:ctrlPr>
@@ -43225,6 +43555,7 @@
                           <m:e>
                             <m:r>
                               <a:rPr lang="en-GB" sz="1700">
+                                <a:latin typeface="Cambria Math" panose="02040503050406030204" pitchFamily="18" charset="0"/>
                                 <a:cs typeface="Times New Roman" panose="02020603050405020304" pitchFamily="18" charset="0"/>
                               </a:rPr>
                               <m:t>𝑖</m:t>
@@ -43233,6 +43564,7 @@
                           <m:sub>
                             <m:r>
                               <a:rPr lang="en-GB" sz="1700">
+                                <a:latin typeface="Cambria Math" panose="02040503050406030204" pitchFamily="18" charset="0"/>
                                 <a:cs typeface="Times New Roman" panose="02020603050405020304" pitchFamily="18" charset="0"/>
                               </a:rPr>
                               <m:t>2</m:t>
@@ -43283,7 +43615,7 @@
             </p:txBody>
           </p:sp>
         </mc:Choice>
-        <mc:Fallback>
+        <mc:Fallback xmlns="">
           <p:sp>
             <p:nvSpPr>
               <p:cNvPr id="2" name="Content Placeholder 1">

--- a/Week7/Presentations/MCR2_State_Space_V1.pptx
+++ b/Week7/Presentations/MCR2_State_Space_V1.pptx
@@ -20,25 +20,27 @@
     <p:sldId id="303" r:id="rId14"/>
     <p:sldId id="305" r:id="rId15"/>
     <p:sldId id="304" r:id="rId16"/>
-    <p:sldId id="306" r:id="rId17"/>
-    <p:sldId id="307" r:id="rId18"/>
-    <p:sldId id="308" r:id="rId19"/>
-    <p:sldId id="309" r:id="rId20"/>
-    <p:sldId id="310" r:id="rId21"/>
-    <p:sldId id="311" r:id="rId22"/>
-    <p:sldId id="277" r:id="rId23"/>
-    <p:sldId id="278" r:id="rId24"/>
-    <p:sldId id="313" r:id="rId25"/>
-    <p:sldId id="312" r:id="rId26"/>
-    <p:sldId id="314" r:id="rId27"/>
-    <p:sldId id="315" r:id="rId28"/>
-    <p:sldId id="316" r:id="rId29"/>
-    <p:sldId id="317" r:id="rId30"/>
-    <p:sldId id="318" r:id="rId31"/>
-    <p:sldId id="319" r:id="rId32"/>
-    <p:sldId id="320" r:id="rId33"/>
-    <p:sldId id="321" r:id="rId34"/>
-    <p:sldId id="322" r:id="rId35"/>
+    <p:sldId id="323" r:id="rId17"/>
+    <p:sldId id="324" r:id="rId18"/>
+    <p:sldId id="306" r:id="rId19"/>
+    <p:sldId id="307" r:id="rId20"/>
+    <p:sldId id="308" r:id="rId21"/>
+    <p:sldId id="309" r:id="rId22"/>
+    <p:sldId id="310" r:id="rId23"/>
+    <p:sldId id="311" r:id="rId24"/>
+    <p:sldId id="277" r:id="rId25"/>
+    <p:sldId id="278" r:id="rId26"/>
+    <p:sldId id="313" r:id="rId27"/>
+    <p:sldId id="312" r:id="rId28"/>
+    <p:sldId id="314" r:id="rId29"/>
+    <p:sldId id="315" r:id="rId30"/>
+    <p:sldId id="316" r:id="rId31"/>
+    <p:sldId id="317" r:id="rId32"/>
+    <p:sldId id="318" r:id="rId33"/>
+    <p:sldId id="319" r:id="rId34"/>
+    <p:sldId id="320" r:id="rId35"/>
+    <p:sldId id="321" r:id="rId36"/>
+    <p:sldId id="322" r:id="rId37"/>
   </p:sldIdLst>
   <p:sldSz cx="12192000" cy="6858000"/>
   <p:notesSz cx="6858000" cy="9144000"/>
@@ -25376,6 +25378,66 @@
           <a:chExt cx="0" cy="0"/>
         </a:xfrm>
       </p:grpSpPr>
+    </p:spTree>
+    <p:extLst>
+      <p:ext uri="{BB962C8B-B14F-4D97-AF65-F5344CB8AC3E}">
+        <p14:creationId xmlns:p14="http://schemas.microsoft.com/office/powerpoint/2010/main" val="3171884767"/>
+      </p:ext>
+    </p:extLst>
+  </p:cSld>
+  <p:clrMapOvr>
+    <a:masterClrMapping/>
+  </p:clrMapOvr>
+</p:sld>
+</file>
+
+<file path=ppt/slides/slide17.xml><?xml version="1.0" encoding="utf-8"?>
+<p:sld xmlns:a="http://schemas.openxmlformats.org/drawingml/2006/main" xmlns:r="http://schemas.openxmlformats.org/officeDocument/2006/relationships" xmlns:p="http://schemas.openxmlformats.org/presentationml/2006/main">
+  <p:cSld>
+    <p:spTree>
+      <p:nvGrpSpPr>
+        <p:cNvPr id="1" name=""/>
+        <p:cNvGrpSpPr/>
+        <p:nvPr/>
+      </p:nvGrpSpPr>
+      <p:grpSpPr>
+        <a:xfrm>
+          <a:off x="0" y="0"/>
+          <a:ext cx="0" cy="0"/>
+          <a:chOff x="0" y="0"/>
+          <a:chExt cx="0" cy="0"/>
+        </a:xfrm>
+      </p:grpSpPr>
+    </p:spTree>
+    <p:extLst>
+      <p:ext uri="{BB962C8B-B14F-4D97-AF65-F5344CB8AC3E}">
+        <p14:creationId xmlns:p14="http://schemas.microsoft.com/office/powerpoint/2010/main" val="59937276"/>
+      </p:ext>
+    </p:extLst>
+  </p:cSld>
+  <p:clrMapOvr>
+    <a:masterClrMapping/>
+  </p:clrMapOvr>
+</p:sld>
+</file>
+
+<file path=ppt/slides/slide18.xml><?xml version="1.0" encoding="utf-8"?>
+<p:sld xmlns:a="http://schemas.openxmlformats.org/drawingml/2006/main" xmlns:r="http://schemas.openxmlformats.org/officeDocument/2006/relationships" xmlns:p="http://schemas.openxmlformats.org/presentationml/2006/main">
+  <p:cSld>
+    <p:spTree>
+      <p:nvGrpSpPr>
+        <p:cNvPr id="1" name=""/>
+        <p:cNvGrpSpPr/>
+        <p:nvPr/>
+      </p:nvGrpSpPr>
+      <p:grpSpPr>
+        <a:xfrm>
+          <a:off x="0" y="0"/>
+          <a:ext cx="0" cy="0"/>
+          <a:chOff x="0" y="0"/>
+          <a:chExt cx="0" cy="0"/>
+        </a:xfrm>
+      </p:grpSpPr>
       <mc:AlternateContent xmlns:mc="http://schemas.openxmlformats.org/markup-compatibility/2006" xmlns:a14="http://schemas.microsoft.com/office/drawing/2010/main">
         <mc:Choice Requires="a14">
           <p:sp>
@@ -26755,7 +26817,7 @@
 </p:sld>
 </file>
 
-<file path=ppt/slides/slide17.xml><?xml version="1.0" encoding="utf-8"?>
+<file path=ppt/slides/slide19.xml><?xml version="1.0" encoding="utf-8"?>
 <p:sld xmlns:a="http://schemas.openxmlformats.org/drawingml/2006/main" xmlns:r="http://schemas.openxmlformats.org/officeDocument/2006/relationships" xmlns:p="http://schemas.openxmlformats.org/presentationml/2006/main">
   <p:cSld>
     <p:spTree>
@@ -26994,7 +27056,262 @@
 </p:sld>
 </file>
 
-<file path=ppt/slides/slide18.xml><?xml version="1.0" encoding="utf-8"?>
+<file path=ppt/slides/slide2.xml><?xml version="1.0" encoding="utf-8"?>
+<p:sld xmlns:a="http://schemas.openxmlformats.org/drawingml/2006/main" xmlns:r="http://schemas.openxmlformats.org/officeDocument/2006/relationships" xmlns:p="http://schemas.openxmlformats.org/presentationml/2006/main">
+  <p:cSld>
+    <p:spTree>
+      <p:nvGrpSpPr>
+        <p:cNvPr id="1" name=""/>
+        <p:cNvGrpSpPr/>
+        <p:nvPr/>
+      </p:nvGrpSpPr>
+      <p:grpSpPr>
+        <a:xfrm>
+          <a:off x="0" y="0"/>
+          <a:ext cx="0" cy="0"/>
+          <a:chOff x="0" y="0"/>
+          <a:chExt cx="0" cy="0"/>
+        </a:xfrm>
+      </p:grpSpPr>
+      <p:sp>
+        <p:nvSpPr>
+          <p:cNvPr id="2" name="Content Placeholder 1">
+            <a:extLst>
+              <a:ext uri="{FF2B5EF4-FFF2-40B4-BE49-F238E27FC236}">
+                <a16:creationId xmlns:a16="http://schemas.microsoft.com/office/drawing/2014/main" id="{8CA9076E-24F4-46BA-D1EA-90018F435B3F}"/>
+              </a:ext>
+            </a:extLst>
+          </p:cNvPr>
+          <p:cNvSpPr>
+            <a:spLocks noGrp="1"/>
+          </p:cNvSpPr>
+          <p:nvPr>
+            <p:ph sz="half" idx="1"/>
+          </p:nvPr>
+        </p:nvSpPr>
+        <p:spPr/>
+        <p:txBody>
+          <a:bodyPr>
+            <a:normAutofit fontScale="92500" lnSpcReduction="20000"/>
+          </a:bodyPr>
+          <a:lstStyle/>
+          <a:p>
+            <a:pPr>
+              <a:lnSpc>
+                <a:spcPct val="160000"/>
+              </a:lnSpc>
+            </a:pPr>
+            <a:r>
+              <a:rPr lang="en-GB" sz="2100" dirty="0">
+                <a:ea typeface="Calibri" panose="020F0502020204030204" pitchFamily="34" charset="0"/>
+                <a:cs typeface="Times New Roman" panose="02020603050405020304" pitchFamily="18" charset="0"/>
+              </a:rPr>
+              <a:t>In general, the notion of a </a:t>
+            </a:r>
+            <a:r>
+              <a:rPr lang="en-GB" sz="2100" b="1" dirty="0">
+                <a:ea typeface="Calibri" panose="020F0502020204030204" pitchFamily="34" charset="0"/>
+                <a:cs typeface="Times New Roman" panose="02020603050405020304" pitchFamily="18" charset="0"/>
+              </a:rPr>
+              <a:t>system</a:t>
+            </a:r>
+            <a:r>
+              <a:rPr lang="en-GB" sz="2100" dirty="0">
+                <a:ea typeface="Calibri" panose="020F0502020204030204" pitchFamily="34" charset="0"/>
+                <a:cs typeface="Times New Roman" panose="02020603050405020304" pitchFamily="18" charset="0"/>
+              </a:rPr>
+              <a:t> is used in many fields of activity. With this notion, we want to delimitate a form of existence in a well-defined space.</a:t>
+            </a:r>
+          </a:p>
+          <a:p>
+            <a:pPr>
+              <a:lnSpc>
+                <a:spcPct val="160000"/>
+              </a:lnSpc>
+            </a:pPr>
+            <a:r>
+              <a:rPr lang="en-GB" sz="2100" dirty="0">
+                <a:ea typeface="Calibri" panose="020F0502020204030204" pitchFamily="34" charset="0"/>
+                <a:cs typeface="Times New Roman" panose="02020603050405020304" pitchFamily="18" charset="0"/>
+              </a:rPr>
+              <a:t>Some examples of dynamic systems: </a:t>
+            </a:r>
+            <a:r>
+              <a:rPr lang="en-US" sz="2100" dirty="0">
+                <a:ea typeface="Calibri" panose="020F0502020204030204" pitchFamily="34" charset="0"/>
+                <a:cs typeface="Times New Roman" panose="02020603050405020304" pitchFamily="18" charset="0"/>
+              </a:rPr>
+              <a:t>the democratic system, the education system of a country, the nervous system, the automatic temperature regulation system, a mobile robot, a robotic manipulator, etc.</a:t>
+            </a:r>
+          </a:p>
+        </p:txBody>
+      </p:sp>
+      <p:pic>
+        <p:nvPicPr>
+          <p:cNvPr id="6" name="Content Placeholder 5" descr="Robot Hand outline">
+            <a:extLst>
+              <a:ext uri="{FF2B5EF4-FFF2-40B4-BE49-F238E27FC236}">
+                <a16:creationId xmlns:a16="http://schemas.microsoft.com/office/drawing/2014/main" id="{2872032F-C5EE-468B-4D77-D9ECF1D92B8E}"/>
+              </a:ext>
+            </a:extLst>
+          </p:cNvPr>
+          <p:cNvPicPr>
+            <a:picLocks noGrp="1" noChangeAspect="1"/>
+          </p:cNvPicPr>
+          <p:nvPr>
+            <p:ph sz="half" idx="2"/>
+          </p:nvPr>
+        </p:nvPicPr>
+        <p:blipFill>
+          <a:blip r:embed="rId2">
+            <a:extLst>
+              <a:ext uri="{28A0092B-C50C-407E-A947-70E740481C1C}">
+                <a14:useLocalDpi xmlns:a14="http://schemas.microsoft.com/office/drawing/2010/main" val="0"/>
+              </a:ext>
+              <a:ext uri="{96DAC541-7B7A-43D3-8B79-37D633B846F1}">
+                <asvg:svgBlip xmlns:asvg="http://schemas.microsoft.com/office/drawing/2016/SVG/main" r:embed="rId3"/>
+              </a:ext>
+            </a:extLst>
+          </a:blip>
+          <a:stretch>
+            <a:fillRect/>
+          </a:stretch>
+        </p:blipFill>
+        <p:spPr>
+          <a:xfrm>
+            <a:off x="9550131" y="4056255"/>
+            <a:ext cx="1703659" cy="1703659"/>
+          </a:xfrm>
+        </p:spPr>
+      </p:pic>
+      <p:sp>
+        <p:nvSpPr>
+          <p:cNvPr id="4" name="Title 3">
+            <a:extLst>
+              <a:ext uri="{FF2B5EF4-FFF2-40B4-BE49-F238E27FC236}">
+                <a16:creationId xmlns:a16="http://schemas.microsoft.com/office/drawing/2014/main" id="{E007D088-2081-9806-F504-D1596FFB5814}"/>
+              </a:ext>
+            </a:extLst>
+          </p:cNvPr>
+          <p:cNvSpPr>
+            <a:spLocks noGrp="1"/>
+          </p:cNvSpPr>
+          <p:nvPr>
+            <p:ph type="title"/>
+          </p:nvPr>
+        </p:nvSpPr>
+        <p:spPr/>
+        <p:txBody>
+          <a:bodyPr/>
+          <a:lstStyle/>
+          <a:p>
+            <a:r>
+              <a:rPr lang="en-US" dirty="0"/>
+              <a:t>Systems:</a:t>
+            </a:r>
+            <a:br>
+              <a:rPr lang="en-US" dirty="0"/>
+            </a:br>
+            <a:r>
+              <a:rPr lang="en-US" dirty="0"/>
+              <a:t>general aspects</a:t>
+            </a:r>
+            <a:endParaRPr lang="en-GB" dirty="0"/>
+          </a:p>
+        </p:txBody>
+      </p:sp>
+      <p:pic>
+        <p:nvPicPr>
+          <p:cNvPr id="8" name="Graphic 7" descr="Artificial Intelligence outline">
+            <a:extLst>
+              <a:ext uri="{FF2B5EF4-FFF2-40B4-BE49-F238E27FC236}">
+                <a16:creationId xmlns:a16="http://schemas.microsoft.com/office/drawing/2014/main" id="{1439F951-3B7F-CF63-B1B5-1FECA489880D}"/>
+              </a:ext>
+            </a:extLst>
+          </p:cNvPr>
+          <p:cNvPicPr>
+            <a:picLocks noChangeAspect="1"/>
+          </p:cNvPicPr>
+          <p:nvPr/>
+        </p:nvPicPr>
+        <p:blipFill>
+          <a:blip r:embed="rId4">
+            <a:extLst>
+              <a:ext uri="{28A0092B-C50C-407E-A947-70E740481C1C}">
+                <a14:useLocalDpi xmlns:a14="http://schemas.microsoft.com/office/drawing/2010/main" val="0"/>
+              </a:ext>
+              <a:ext uri="{96DAC541-7B7A-43D3-8B79-37D633B846F1}">
+                <asvg:svgBlip xmlns:asvg="http://schemas.microsoft.com/office/drawing/2016/SVG/main" r:embed="rId5"/>
+              </a:ext>
+            </a:extLst>
+          </a:blip>
+          <a:stretch>
+            <a:fillRect/>
+          </a:stretch>
+        </p:blipFill>
+        <p:spPr>
+          <a:xfrm>
+            <a:off x="7196896" y="2812739"/>
+            <a:ext cx="1703659" cy="1703659"/>
+          </a:xfrm>
+          <a:prstGeom prst="rect">
+            <a:avLst/>
+          </a:prstGeom>
+        </p:spPr>
+      </p:pic>
+      <p:pic>
+        <p:nvPicPr>
+          <p:cNvPr id="10" name="Graphic 9" descr="Robot outline">
+            <a:extLst>
+              <a:ext uri="{FF2B5EF4-FFF2-40B4-BE49-F238E27FC236}">
+                <a16:creationId xmlns:a16="http://schemas.microsoft.com/office/drawing/2014/main" id="{2067B92F-4CB1-182B-6D0B-EBC0A9079B7C}"/>
+              </a:ext>
+            </a:extLst>
+          </p:cNvPr>
+          <p:cNvPicPr>
+            <a:picLocks noChangeAspect="1"/>
+          </p:cNvPicPr>
+          <p:nvPr/>
+        </p:nvPicPr>
+        <p:blipFill>
+          <a:blip r:embed="rId6">
+            <a:extLst>
+              <a:ext uri="{28A0092B-C50C-407E-A947-70E740481C1C}">
+                <a14:useLocalDpi xmlns:a14="http://schemas.microsoft.com/office/drawing/2010/main" val="0"/>
+              </a:ext>
+              <a:ext uri="{96DAC541-7B7A-43D3-8B79-37D633B846F1}">
+                <asvg:svgBlip xmlns:asvg="http://schemas.microsoft.com/office/drawing/2016/SVG/main" r:embed="rId7"/>
+              </a:ext>
+            </a:extLst>
+          </a:blip>
+          <a:stretch>
+            <a:fillRect/>
+          </a:stretch>
+        </p:blipFill>
+        <p:spPr>
+          <a:xfrm>
+            <a:off x="9221015" y="1725341"/>
+            <a:ext cx="1703659" cy="1703659"/>
+          </a:xfrm>
+          <a:prstGeom prst="rect">
+            <a:avLst/>
+          </a:prstGeom>
+        </p:spPr>
+      </p:pic>
+    </p:spTree>
+    <p:extLst>
+      <p:ext uri="{BB962C8B-B14F-4D97-AF65-F5344CB8AC3E}">
+        <p14:creationId xmlns:p14="http://schemas.microsoft.com/office/powerpoint/2010/main" val="1043141472"/>
+      </p:ext>
+    </p:extLst>
+  </p:cSld>
+  <p:clrMapOvr>
+    <a:masterClrMapping/>
+  </p:clrMapOvr>
+</p:sld>
+</file>
+
+<file path=ppt/slides/slide20.xml><?xml version="1.0" encoding="utf-8"?>
 <p:sld xmlns:a="http://schemas.openxmlformats.org/drawingml/2006/main" xmlns:r="http://schemas.openxmlformats.org/officeDocument/2006/relationships" xmlns:p="http://schemas.openxmlformats.org/presentationml/2006/main">
   <p:cSld>
     <p:spTree>
@@ -27437,7 +27754,7 @@
 </p:sld>
 </file>
 
-<file path=ppt/slides/slide19.xml><?xml version="1.0" encoding="utf-8"?>
+<file path=ppt/slides/slide21.xml><?xml version="1.0" encoding="utf-8"?>
 <p:sld xmlns:a="http://schemas.openxmlformats.org/drawingml/2006/main" xmlns:r="http://schemas.openxmlformats.org/officeDocument/2006/relationships" xmlns:p="http://schemas.openxmlformats.org/presentationml/2006/main">
   <p:cSld>
     <p:spTree>
@@ -28566,262 +28883,7 @@
 </p:sld>
 </file>
 
-<file path=ppt/slides/slide2.xml><?xml version="1.0" encoding="utf-8"?>
-<p:sld xmlns:a="http://schemas.openxmlformats.org/drawingml/2006/main" xmlns:r="http://schemas.openxmlformats.org/officeDocument/2006/relationships" xmlns:p="http://schemas.openxmlformats.org/presentationml/2006/main">
-  <p:cSld>
-    <p:spTree>
-      <p:nvGrpSpPr>
-        <p:cNvPr id="1" name=""/>
-        <p:cNvGrpSpPr/>
-        <p:nvPr/>
-      </p:nvGrpSpPr>
-      <p:grpSpPr>
-        <a:xfrm>
-          <a:off x="0" y="0"/>
-          <a:ext cx="0" cy="0"/>
-          <a:chOff x="0" y="0"/>
-          <a:chExt cx="0" cy="0"/>
-        </a:xfrm>
-      </p:grpSpPr>
-      <p:sp>
-        <p:nvSpPr>
-          <p:cNvPr id="2" name="Content Placeholder 1">
-            <a:extLst>
-              <a:ext uri="{FF2B5EF4-FFF2-40B4-BE49-F238E27FC236}">
-                <a16:creationId xmlns:a16="http://schemas.microsoft.com/office/drawing/2014/main" id="{8CA9076E-24F4-46BA-D1EA-90018F435B3F}"/>
-              </a:ext>
-            </a:extLst>
-          </p:cNvPr>
-          <p:cNvSpPr>
-            <a:spLocks noGrp="1"/>
-          </p:cNvSpPr>
-          <p:nvPr>
-            <p:ph sz="half" idx="1"/>
-          </p:nvPr>
-        </p:nvSpPr>
-        <p:spPr/>
-        <p:txBody>
-          <a:bodyPr>
-            <a:normAutofit fontScale="92500" lnSpcReduction="20000"/>
-          </a:bodyPr>
-          <a:lstStyle/>
-          <a:p>
-            <a:pPr>
-              <a:lnSpc>
-                <a:spcPct val="160000"/>
-              </a:lnSpc>
-            </a:pPr>
-            <a:r>
-              <a:rPr lang="en-GB" sz="2100" dirty="0">
-                <a:ea typeface="Calibri" panose="020F0502020204030204" pitchFamily="34" charset="0"/>
-                <a:cs typeface="Times New Roman" panose="02020603050405020304" pitchFamily="18" charset="0"/>
-              </a:rPr>
-              <a:t>In general, the notion of a </a:t>
-            </a:r>
-            <a:r>
-              <a:rPr lang="en-GB" sz="2100" b="1" dirty="0">
-                <a:ea typeface="Calibri" panose="020F0502020204030204" pitchFamily="34" charset="0"/>
-                <a:cs typeface="Times New Roman" panose="02020603050405020304" pitchFamily="18" charset="0"/>
-              </a:rPr>
-              <a:t>system</a:t>
-            </a:r>
-            <a:r>
-              <a:rPr lang="en-GB" sz="2100" dirty="0">
-                <a:ea typeface="Calibri" panose="020F0502020204030204" pitchFamily="34" charset="0"/>
-                <a:cs typeface="Times New Roman" panose="02020603050405020304" pitchFamily="18" charset="0"/>
-              </a:rPr>
-              <a:t> is used in many fields of activity. With this notion, we want to delimitate a form of existence in a well-defined space.</a:t>
-            </a:r>
-          </a:p>
-          <a:p>
-            <a:pPr>
-              <a:lnSpc>
-                <a:spcPct val="160000"/>
-              </a:lnSpc>
-            </a:pPr>
-            <a:r>
-              <a:rPr lang="en-GB" sz="2100" dirty="0">
-                <a:ea typeface="Calibri" panose="020F0502020204030204" pitchFamily="34" charset="0"/>
-                <a:cs typeface="Times New Roman" panose="02020603050405020304" pitchFamily="18" charset="0"/>
-              </a:rPr>
-              <a:t>Some examples of dynamic systems: </a:t>
-            </a:r>
-            <a:r>
-              <a:rPr lang="en-US" sz="2100" dirty="0">
-                <a:ea typeface="Calibri" panose="020F0502020204030204" pitchFamily="34" charset="0"/>
-                <a:cs typeface="Times New Roman" panose="02020603050405020304" pitchFamily="18" charset="0"/>
-              </a:rPr>
-              <a:t>the democratic system, the education system of a country, the nervous system, the automatic temperature regulation system, a mobile robot, a robotic manipulator, etc.</a:t>
-            </a:r>
-          </a:p>
-        </p:txBody>
-      </p:sp>
-      <p:pic>
-        <p:nvPicPr>
-          <p:cNvPr id="6" name="Content Placeholder 5" descr="Robot Hand outline">
-            <a:extLst>
-              <a:ext uri="{FF2B5EF4-FFF2-40B4-BE49-F238E27FC236}">
-                <a16:creationId xmlns:a16="http://schemas.microsoft.com/office/drawing/2014/main" id="{2872032F-C5EE-468B-4D77-D9ECF1D92B8E}"/>
-              </a:ext>
-            </a:extLst>
-          </p:cNvPr>
-          <p:cNvPicPr>
-            <a:picLocks noGrp="1" noChangeAspect="1"/>
-          </p:cNvPicPr>
-          <p:nvPr>
-            <p:ph sz="half" idx="2"/>
-          </p:nvPr>
-        </p:nvPicPr>
-        <p:blipFill>
-          <a:blip r:embed="rId2">
-            <a:extLst>
-              <a:ext uri="{28A0092B-C50C-407E-A947-70E740481C1C}">
-                <a14:useLocalDpi xmlns:a14="http://schemas.microsoft.com/office/drawing/2010/main" val="0"/>
-              </a:ext>
-              <a:ext uri="{96DAC541-7B7A-43D3-8B79-37D633B846F1}">
-                <asvg:svgBlip xmlns:asvg="http://schemas.microsoft.com/office/drawing/2016/SVG/main" r:embed="rId3"/>
-              </a:ext>
-            </a:extLst>
-          </a:blip>
-          <a:stretch>
-            <a:fillRect/>
-          </a:stretch>
-        </p:blipFill>
-        <p:spPr>
-          <a:xfrm>
-            <a:off x="9550131" y="4056255"/>
-            <a:ext cx="1703659" cy="1703659"/>
-          </a:xfrm>
-        </p:spPr>
-      </p:pic>
-      <p:sp>
-        <p:nvSpPr>
-          <p:cNvPr id="4" name="Title 3">
-            <a:extLst>
-              <a:ext uri="{FF2B5EF4-FFF2-40B4-BE49-F238E27FC236}">
-                <a16:creationId xmlns:a16="http://schemas.microsoft.com/office/drawing/2014/main" id="{E007D088-2081-9806-F504-D1596FFB5814}"/>
-              </a:ext>
-            </a:extLst>
-          </p:cNvPr>
-          <p:cNvSpPr>
-            <a:spLocks noGrp="1"/>
-          </p:cNvSpPr>
-          <p:nvPr>
-            <p:ph type="title"/>
-          </p:nvPr>
-        </p:nvSpPr>
-        <p:spPr/>
-        <p:txBody>
-          <a:bodyPr/>
-          <a:lstStyle/>
-          <a:p>
-            <a:r>
-              <a:rPr lang="en-US" dirty="0"/>
-              <a:t>Systems:</a:t>
-            </a:r>
-            <a:br>
-              <a:rPr lang="en-US" dirty="0"/>
-            </a:br>
-            <a:r>
-              <a:rPr lang="en-US" dirty="0"/>
-              <a:t>general aspects</a:t>
-            </a:r>
-            <a:endParaRPr lang="en-GB" dirty="0"/>
-          </a:p>
-        </p:txBody>
-      </p:sp>
-      <p:pic>
-        <p:nvPicPr>
-          <p:cNvPr id="8" name="Graphic 7" descr="Artificial Intelligence outline">
-            <a:extLst>
-              <a:ext uri="{FF2B5EF4-FFF2-40B4-BE49-F238E27FC236}">
-                <a16:creationId xmlns:a16="http://schemas.microsoft.com/office/drawing/2014/main" id="{1439F951-3B7F-CF63-B1B5-1FECA489880D}"/>
-              </a:ext>
-            </a:extLst>
-          </p:cNvPr>
-          <p:cNvPicPr>
-            <a:picLocks noChangeAspect="1"/>
-          </p:cNvPicPr>
-          <p:nvPr/>
-        </p:nvPicPr>
-        <p:blipFill>
-          <a:blip r:embed="rId4">
-            <a:extLst>
-              <a:ext uri="{28A0092B-C50C-407E-A947-70E740481C1C}">
-                <a14:useLocalDpi xmlns:a14="http://schemas.microsoft.com/office/drawing/2010/main" val="0"/>
-              </a:ext>
-              <a:ext uri="{96DAC541-7B7A-43D3-8B79-37D633B846F1}">
-                <asvg:svgBlip xmlns:asvg="http://schemas.microsoft.com/office/drawing/2016/SVG/main" r:embed="rId5"/>
-              </a:ext>
-            </a:extLst>
-          </a:blip>
-          <a:stretch>
-            <a:fillRect/>
-          </a:stretch>
-        </p:blipFill>
-        <p:spPr>
-          <a:xfrm>
-            <a:off x="7196896" y="2812739"/>
-            <a:ext cx="1703659" cy="1703659"/>
-          </a:xfrm>
-          <a:prstGeom prst="rect">
-            <a:avLst/>
-          </a:prstGeom>
-        </p:spPr>
-      </p:pic>
-      <p:pic>
-        <p:nvPicPr>
-          <p:cNvPr id="10" name="Graphic 9" descr="Robot outline">
-            <a:extLst>
-              <a:ext uri="{FF2B5EF4-FFF2-40B4-BE49-F238E27FC236}">
-                <a16:creationId xmlns:a16="http://schemas.microsoft.com/office/drawing/2014/main" id="{2067B92F-4CB1-182B-6D0B-EBC0A9079B7C}"/>
-              </a:ext>
-            </a:extLst>
-          </p:cNvPr>
-          <p:cNvPicPr>
-            <a:picLocks noChangeAspect="1"/>
-          </p:cNvPicPr>
-          <p:nvPr/>
-        </p:nvPicPr>
-        <p:blipFill>
-          <a:blip r:embed="rId6">
-            <a:extLst>
-              <a:ext uri="{28A0092B-C50C-407E-A947-70E740481C1C}">
-                <a14:useLocalDpi xmlns:a14="http://schemas.microsoft.com/office/drawing/2010/main" val="0"/>
-              </a:ext>
-              <a:ext uri="{96DAC541-7B7A-43D3-8B79-37D633B846F1}">
-                <asvg:svgBlip xmlns:asvg="http://schemas.microsoft.com/office/drawing/2016/SVG/main" r:embed="rId7"/>
-              </a:ext>
-            </a:extLst>
-          </a:blip>
-          <a:stretch>
-            <a:fillRect/>
-          </a:stretch>
-        </p:blipFill>
-        <p:spPr>
-          <a:xfrm>
-            <a:off x="9221015" y="1725341"/>
-            <a:ext cx="1703659" cy="1703659"/>
-          </a:xfrm>
-          <a:prstGeom prst="rect">
-            <a:avLst/>
-          </a:prstGeom>
-        </p:spPr>
-      </p:pic>
-    </p:spTree>
-    <p:extLst>
-      <p:ext uri="{BB962C8B-B14F-4D97-AF65-F5344CB8AC3E}">
-        <p14:creationId xmlns:p14="http://schemas.microsoft.com/office/powerpoint/2010/main" val="1043141472"/>
-      </p:ext>
-    </p:extLst>
-  </p:cSld>
-  <p:clrMapOvr>
-    <a:masterClrMapping/>
-  </p:clrMapOvr>
-</p:sld>
-</file>
-
-<file path=ppt/slides/slide20.xml><?xml version="1.0" encoding="utf-8"?>
+<file path=ppt/slides/slide22.xml><?xml version="1.0" encoding="utf-8"?>
 <p:sld xmlns:a="http://schemas.openxmlformats.org/drawingml/2006/main" xmlns:r="http://schemas.openxmlformats.org/officeDocument/2006/relationships" xmlns:p="http://schemas.openxmlformats.org/presentationml/2006/main">
   <p:cSld>
     <p:spTree>
@@ -30365,7 +30427,7 @@
 </p:sld>
 </file>
 
-<file path=ppt/slides/slide21.xml><?xml version="1.0" encoding="utf-8"?>
+<file path=ppt/slides/slide23.xml><?xml version="1.0" encoding="utf-8"?>
 <p:sld xmlns:a="http://schemas.openxmlformats.org/drawingml/2006/main" xmlns:r="http://schemas.openxmlformats.org/officeDocument/2006/relationships" xmlns:p="http://schemas.openxmlformats.org/presentationml/2006/main">
   <p:cSld>
     <p:spTree>
@@ -32085,7 +32147,7 @@
 </p:sld>
 </file>
 
-<file path=ppt/slides/slide22.xml><?xml version="1.0" encoding="utf-8"?>
+<file path=ppt/slides/slide24.xml><?xml version="1.0" encoding="utf-8"?>
 <p:sld xmlns:a="http://schemas.openxmlformats.org/drawingml/2006/main" xmlns:r="http://schemas.openxmlformats.org/officeDocument/2006/relationships" xmlns:p="http://schemas.openxmlformats.org/presentationml/2006/main">
   <p:cSld>
     <p:spTree>
@@ -32872,7 +32934,7 @@
 </p:sld>
 </file>
 
-<file path=ppt/slides/slide23.xml><?xml version="1.0" encoding="utf-8"?>
+<file path=ppt/slides/slide25.xml><?xml version="1.0" encoding="utf-8"?>
 <p:sld xmlns:a="http://schemas.openxmlformats.org/drawingml/2006/main" xmlns:r="http://schemas.openxmlformats.org/officeDocument/2006/relationships" xmlns:p="http://schemas.openxmlformats.org/presentationml/2006/main">
   <p:cSld>
     <p:spTree>
@@ -33074,7 +33136,7 @@
 </p:sld>
 </file>
 
-<file path=ppt/slides/slide24.xml><?xml version="1.0" encoding="utf-8"?>
+<file path=ppt/slides/slide26.xml><?xml version="1.0" encoding="utf-8"?>
 <p:sld xmlns:a="http://schemas.openxmlformats.org/drawingml/2006/main" xmlns:r="http://schemas.openxmlformats.org/officeDocument/2006/relationships" xmlns:p="http://schemas.openxmlformats.org/presentationml/2006/main">
   <p:cSld>
     <p:spTree>
@@ -33160,7 +33222,7 @@
 </p:sld>
 </file>
 
-<file path=ppt/slides/slide25.xml><?xml version="1.0" encoding="utf-8"?>
+<file path=ppt/slides/slide27.xml><?xml version="1.0" encoding="utf-8"?>
 <p:sld xmlns:a="http://schemas.openxmlformats.org/drawingml/2006/main" xmlns:r="http://schemas.openxmlformats.org/officeDocument/2006/relationships" xmlns:p="http://schemas.openxmlformats.org/presentationml/2006/main">
   <p:cSld>
     <p:spTree>
@@ -33678,7 +33740,7 @@
 </p:sld>
 </file>
 
-<file path=ppt/slides/slide26.xml><?xml version="1.0" encoding="utf-8"?>
+<file path=ppt/slides/slide28.xml><?xml version="1.0" encoding="utf-8"?>
 <p:sld xmlns:a="http://schemas.openxmlformats.org/drawingml/2006/main" xmlns:r="http://schemas.openxmlformats.org/officeDocument/2006/relationships" xmlns:p="http://schemas.openxmlformats.org/presentationml/2006/main">
   <p:cSld>
     <p:spTree>
@@ -34603,7 +34665,7 @@
 </p:sld>
 </file>
 
-<file path=ppt/slides/slide27.xml><?xml version="1.0" encoding="utf-8"?>
+<file path=ppt/slides/slide29.xml><?xml version="1.0" encoding="utf-8"?>
 <p:sld xmlns:a="http://schemas.openxmlformats.org/drawingml/2006/main" xmlns:r="http://schemas.openxmlformats.org/officeDocument/2006/relationships" xmlns:p="http://schemas.openxmlformats.org/presentationml/2006/main">
   <p:cSld>
     <p:spTree>
@@ -34691,7 +34753,304 @@
 </p:sld>
 </file>
 
-<file path=ppt/slides/slide28.xml><?xml version="1.0" encoding="utf-8"?>
+<file path=ppt/slides/slide3.xml><?xml version="1.0" encoding="utf-8"?>
+<p:sld xmlns:a="http://schemas.openxmlformats.org/drawingml/2006/main" xmlns:r="http://schemas.openxmlformats.org/officeDocument/2006/relationships" xmlns:p="http://schemas.openxmlformats.org/presentationml/2006/main">
+  <p:cSld>
+    <p:spTree>
+      <p:nvGrpSpPr>
+        <p:cNvPr id="1" name=""/>
+        <p:cNvGrpSpPr/>
+        <p:nvPr/>
+      </p:nvGrpSpPr>
+      <p:grpSpPr>
+        <a:xfrm>
+          <a:off x="0" y="0"/>
+          <a:ext cx="0" cy="0"/>
+          <a:chOff x="0" y="0"/>
+          <a:chExt cx="0" cy="0"/>
+        </a:xfrm>
+      </p:grpSpPr>
+      <p:sp>
+        <p:nvSpPr>
+          <p:cNvPr id="2" name="Content Placeholder 1">
+            <a:extLst>
+              <a:ext uri="{FF2B5EF4-FFF2-40B4-BE49-F238E27FC236}">
+                <a16:creationId xmlns:a16="http://schemas.microsoft.com/office/drawing/2014/main" id="{8CA9076E-24F4-46BA-D1EA-90018F435B3F}"/>
+              </a:ext>
+            </a:extLst>
+          </p:cNvPr>
+          <p:cNvSpPr>
+            <a:spLocks noGrp="1"/>
+          </p:cNvSpPr>
+          <p:nvPr>
+            <p:ph sz="half" idx="1"/>
+          </p:nvPr>
+        </p:nvSpPr>
+        <p:spPr/>
+        <p:txBody>
+          <a:bodyPr>
+            <a:normAutofit fontScale="92500" lnSpcReduction="20000"/>
+          </a:bodyPr>
+          <a:lstStyle/>
+          <a:p>
+            <a:pPr>
+              <a:lnSpc>
+                <a:spcPct val="160000"/>
+              </a:lnSpc>
+            </a:pPr>
+            <a:r>
+              <a:rPr lang="en-GB" sz="2100" dirty="0">
+                <a:ea typeface="Calibri" panose="020F0502020204030204" pitchFamily="34" charset="0"/>
+                <a:cs typeface="Times New Roman" panose="02020603050405020304" pitchFamily="18" charset="0"/>
+              </a:rPr>
+              <a:t>The notion of system helps us, in a first instance, to delimitate, for example: </a:t>
+            </a:r>
+          </a:p>
+          <a:p>
+            <a:pPr lvl="1">
+              <a:lnSpc>
+                <a:spcPct val="160000"/>
+              </a:lnSpc>
+            </a:pPr>
+            <a:r>
+              <a:rPr lang="en-GB" sz="1700" dirty="0">
+                <a:ea typeface="Calibri" panose="020F0502020204030204" pitchFamily="34" charset="0"/>
+                <a:cs typeface="Times New Roman" panose="02020603050405020304" pitchFamily="18" charset="0"/>
+              </a:rPr>
+              <a:t>A state management mechanism</a:t>
+            </a:r>
+          </a:p>
+          <a:p>
+            <a:pPr lvl="1">
+              <a:lnSpc>
+                <a:spcPct val="160000"/>
+              </a:lnSpc>
+            </a:pPr>
+            <a:r>
+              <a:rPr lang="en-GB" sz="1700" dirty="0">
+                <a:ea typeface="Calibri" panose="020F0502020204030204" pitchFamily="34" charset="0"/>
+                <a:cs typeface="Times New Roman" panose="02020603050405020304" pitchFamily="18" charset="0"/>
+              </a:rPr>
+              <a:t>A way of education at the national level</a:t>
+            </a:r>
+          </a:p>
+          <a:p>
+            <a:pPr lvl="1">
+              <a:lnSpc>
+                <a:spcPct val="160000"/>
+              </a:lnSpc>
+            </a:pPr>
+            <a:r>
+              <a:rPr lang="en-GB" sz="1700" dirty="0">
+                <a:ea typeface="Calibri" panose="020F0502020204030204" pitchFamily="34" charset="0"/>
+                <a:cs typeface="Times New Roman" panose="02020603050405020304" pitchFamily="18" charset="0"/>
+              </a:rPr>
+              <a:t>Part of the components that contribute to the integration of the human body into the environment</a:t>
+            </a:r>
+          </a:p>
+          <a:p>
+            <a:pPr lvl="1">
+              <a:lnSpc>
+                <a:spcPct val="160000"/>
+              </a:lnSpc>
+            </a:pPr>
+            <a:r>
+              <a:rPr lang="en-GB" sz="1700" dirty="0">
+                <a:ea typeface="Calibri" panose="020F0502020204030204" pitchFamily="34" charset="0"/>
+                <a:cs typeface="Times New Roman" panose="02020603050405020304" pitchFamily="18" charset="0"/>
+              </a:rPr>
+              <a:t>The elements necessary to obtain a constant temperature in an enclosure</a:t>
+            </a:r>
+          </a:p>
+          <a:p>
+            <a:pPr lvl="1">
+              <a:lnSpc>
+                <a:spcPct val="160000"/>
+              </a:lnSpc>
+            </a:pPr>
+            <a:r>
+              <a:rPr lang="en-GB" sz="1700" dirty="0">
+                <a:ea typeface="Calibri" panose="020F0502020204030204" pitchFamily="34" charset="0"/>
+                <a:cs typeface="Times New Roman" panose="02020603050405020304" pitchFamily="18" charset="0"/>
+              </a:rPr>
+              <a:t>The elements of a mobile robot, the elements of a robotic manipulator, etc</a:t>
+            </a:r>
+            <a:endParaRPr lang="en-GB" sz="3200" dirty="0">
+              <a:effectLst/>
+              <a:latin typeface="Calibri" panose="020F0502020204030204" pitchFamily="34" charset="0"/>
+              <a:ea typeface="Calibri" panose="020F0502020204030204" pitchFamily="34" charset="0"/>
+              <a:cs typeface="Times New Roman" panose="02020603050405020304" pitchFamily="18" charset="0"/>
+            </a:endParaRPr>
+          </a:p>
+        </p:txBody>
+      </p:sp>
+      <p:sp>
+        <p:nvSpPr>
+          <p:cNvPr id="4" name="Title 3">
+            <a:extLst>
+              <a:ext uri="{FF2B5EF4-FFF2-40B4-BE49-F238E27FC236}">
+                <a16:creationId xmlns:a16="http://schemas.microsoft.com/office/drawing/2014/main" id="{E007D088-2081-9806-F504-D1596FFB5814}"/>
+              </a:ext>
+            </a:extLst>
+          </p:cNvPr>
+          <p:cNvSpPr>
+            <a:spLocks noGrp="1"/>
+          </p:cNvSpPr>
+          <p:nvPr>
+            <p:ph type="title"/>
+          </p:nvPr>
+        </p:nvSpPr>
+        <p:spPr/>
+        <p:txBody>
+          <a:bodyPr/>
+          <a:lstStyle/>
+          <a:p>
+            <a:r>
+              <a:rPr lang="en-US" dirty="0"/>
+              <a:t>Systems:</a:t>
+            </a:r>
+            <a:br>
+              <a:rPr lang="en-US" dirty="0"/>
+            </a:br>
+            <a:r>
+              <a:rPr lang="en-US" dirty="0"/>
+              <a:t>general aspects</a:t>
+            </a:r>
+            <a:endParaRPr lang="en-GB" dirty="0"/>
+          </a:p>
+        </p:txBody>
+      </p:sp>
+      <p:pic>
+        <p:nvPicPr>
+          <p:cNvPr id="33" name="Graphic 32" descr="Network outline">
+            <a:extLst>
+              <a:ext uri="{FF2B5EF4-FFF2-40B4-BE49-F238E27FC236}">
+                <a16:creationId xmlns:a16="http://schemas.microsoft.com/office/drawing/2014/main" id="{F4622DC6-FA55-AE0F-835F-5B50DE7D30AD}"/>
+              </a:ext>
+            </a:extLst>
+          </p:cNvPr>
+          <p:cNvPicPr>
+            <a:picLocks noChangeAspect="1"/>
+          </p:cNvPicPr>
+          <p:nvPr/>
+        </p:nvPicPr>
+        <p:blipFill>
+          <a:blip r:embed="rId2">
+            <a:extLst>
+              <a:ext uri="{28A0092B-C50C-407E-A947-70E740481C1C}">
+                <a14:useLocalDpi xmlns:a14="http://schemas.microsoft.com/office/drawing/2010/main" val="0"/>
+              </a:ext>
+              <a:ext uri="{96DAC541-7B7A-43D3-8B79-37D633B846F1}">
+                <asvg:svgBlip xmlns:asvg="http://schemas.microsoft.com/office/drawing/2016/SVG/main" r:embed="rId3"/>
+              </a:ext>
+            </a:extLst>
+          </a:blip>
+          <a:stretch>
+            <a:fillRect/>
+          </a:stretch>
+        </p:blipFill>
+        <p:spPr>
+          <a:xfrm>
+            <a:off x="8133348" y="2916300"/>
+            <a:ext cx="2069334" cy="2069334"/>
+          </a:xfrm>
+          <a:prstGeom prst="rect">
+            <a:avLst/>
+          </a:prstGeom>
+        </p:spPr>
+      </p:pic>
+      <p:pic>
+        <p:nvPicPr>
+          <p:cNvPr id="41" name="Graphic 40" descr="Thought outline">
+            <a:extLst>
+              <a:ext uri="{FF2B5EF4-FFF2-40B4-BE49-F238E27FC236}">
+                <a16:creationId xmlns:a16="http://schemas.microsoft.com/office/drawing/2014/main" id="{ECC82BA2-D868-1830-5015-32AC908600BA}"/>
+              </a:ext>
+            </a:extLst>
+          </p:cNvPr>
+          <p:cNvPicPr>
+            <a:picLocks noChangeAspect="1"/>
+          </p:cNvPicPr>
+          <p:nvPr/>
+        </p:nvPicPr>
+        <p:blipFill>
+          <a:blip r:embed="rId4">
+            <a:extLst>
+              <a:ext uri="{28A0092B-C50C-407E-A947-70E740481C1C}">
+                <a14:useLocalDpi xmlns:a14="http://schemas.microsoft.com/office/drawing/2010/main" val="0"/>
+              </a:ext>
+              <a:ext uri="{96DAC541-7B7A-43D3-8B79-37D633B846F1}">
+                <asvg:svgBlip xmlns:asvg="http://schemas.microsoft.com/office/drawing/2016/SVG/main" r:embed="rId5"/>
+              </a:ext>
+            </a:extLst>
+          </a:blip>
+          <a:stretch>
+            <a:fillRect/>
+          </a:stretch>
+        </p:blipFill>
+        <p:spPr>
+          <a:xfrm>
+            <a:off x="6497053" y="1825625"/>
+            <a:ext cx="1724878" cy="1724878"/>
+          </a:xfrm>
+          <a:prstGeom prst="rect">
+            <a:avLst/>
+          </a:prstGeom>
+        </p:spPr>
+      </p:pic>
+      <p:pic>
+        <p:nvPicPr>
+          <p:cNvPr id="43" name="Graphic 42" descr="Workflow outline">
+            <a:extLst>
+              <a:ext uri="{FF2B5EF4-FFF2-40B4-BE49-F238E27FC236}">
+                <a16:creationId xmlns:a16="http://schemas.microsoft.com/office/drawing/2014/main" id="{50C158F9-55F5-2CD9-B752-3892253C61D0}"/>
+              </a:ext>
+            </a:extLst>
+          </p:cNvPr>
+          <p:cNvPicPr>
+            <a:picLocks noChangeAspect="1"/>
+          </p:cNvPicPr>
+          <p:nvPr/>
+        </p:nvPicPr>
+        <p:blipFill>
+          <a:blip r:embed="rId6">
+            <a:extLst>
+              <a:ext uri="{28A0092B-C50C-407E-A947-70E740481C1C}">
+                <a14:useLocalDpi xmlns:a14="http://schemas.microsoft.com/office/drawing/2010/main" val="0"/>
+              </a:ext>
+              <a:ext uri="{96DAC541-7B7A-43D3-8B79-37D633B846F1}">
+                <asvg:svgBlip xmlns:asvg="http://schemas.microsoft.com/office/drawing/2016/SVG/main" r:embed="rId7"/>
+              </a:ext>
+            </a:extLst>
+          </a:blip>
+          <a:stretch>
+            <a:fillRect/>
+          </a:stretch>
+        </p:blipFill>
+        <p:spPr>
+          <a:xfrm>
+            <a:off x="10096901" y="5114628"/>
+            <a:ext cx="1549979" cy="1549979"/>
+          </a:xfrm>
+          <a:prstGeom prst="rect">
+            <a:avLst/>
+          </a:prstGeom>
+        </p:spPr>
+      </p:pic>
+    </p:spTree>
+    <p:extLst>
+      <p:ext uri="{BB962C8B-B14F-4D97-AF65-F5344CB8AC3E}">
+        <p14:creationId xmlns:p14="http://schemas.microsoft.com/office/powerpoint/2010/main" val="1551129330"/>
+      </p:ext>
+    </p:extLst>
+  </p:cSld>
+  <p:clrMapOvr>
+    <a:masterClrMapping/>
+  </p:clrMapOvr>
+</p:sld>
+</file>
+
+<file path=ppt/slides/slide30.xml><?xml version="1.0" encoding="utf-8"?>
 <p:sld xmlns:a="http://schemas.openxmlformats.org/drawingml/2006/main" xmlns:r="http://schemas.openxmlformats.org/officeDocument/2006/relationships" xmlns:p="http://schemas.openxmlformats.org/presentationml/2006/main">
   <p:cSld>
     <p:spTree>
@@ -35219,7 +35578,7 @@
 </p:sld>
 </file>
 
-<file path=ppt/slides/slide29.xml><?xml version="1.0" encoding="utf-8"?>
+<file path=ppt/slides/slide31.xml><?xml version="1.0" encoding="utf-8"?>
 <p:sld xmlns:a="http://schemas.openxmlformats.org/drawingml/2006/main" xmlns:r="http://schemas.openxmlformats.org/officeDocument/2006/relationships" xmlns:p="http://schemas.openxmlformats.org/presentationml/2006/main">
   <p:cSld>
     <p:spTree>
@@ -36889,304 +37248,7 @@
 </p:sld>
 </file>
 
-<file path=ppt/slides/slide3.xml><?xml version="1.0" encoding="utf-8"?>
-<p:sld xmlns:a="http://schemas.openxmlformats.org/drawingml/2006/main" xmlns:r="http://schemas.openxmlformats.org/officeDocument/2006/relationships" xmlns:p="http://schemas.openxmlformats.org/presentationml/2006/main">
-  <p:cSld>
-    <p:spTree>
-      <p:nvGrpSpPr>
-        <p:cNvPr id="1" name=""/>
-        <p:cNvGrpSpPr/>
-        <p:nvPr/>
-      </p:nvGrpSpPr>
-      <p:grpSpPr>
-        <a:xfrm>
-          <a:off x="0" y="0"/>
-          <a:ext cx="0" cy="0"/>
-          <a:chOff x="0" y="0"/>
-          <a:chExt cx="0" cy="0"/>
-        </a:xfrm>
-      </p:grpSpPr>
-      <p:sp>
-        <p:nvSpPr>
-          <p:cNvPr id="2" name="Content Placeholder 1">
-            <a:extLst>
-              <a:ext uri="{FF2B5EF4-FFF2-40B4-BE49-F238E27FC236}">
-                <a16:creationId xmlns:a16="http://schemas.microsoft.com/office/drawing/2014/main" id="{8CA9076E-24F4-46BA-D1EA-90018F435B3F}"/>
-              </a:ext>
-            </a:extLst>
-          </p:cNvPr>
-          <p:cNvSpPr>
-            <a:spLocks noGrp="1"/>
-          </p:cNvSpPr>
-          <p:nvPr>
-            <p:ph sz="half" idx="1"/>
-          </p:nvPr>
-        </p:nvSpPr>
-        <p:spPr/>
-        <p:txBody>
-          <a:bodyPr>
-            <a:normAutofit fontScale="92500" lnSpcReduction="20000"/>
-          </a:bodyPr>
-          <a:lstStyle/>
-          <a:p>
-            <a:pPr>
-              <a:lnSpc>
-                <a:spcPct val="160000"/>
-              </a:lnSpc>
-            </a:pPr>
-            <a:r>
-              <a:rPr lang="en-GB" sz="2100" dirty="0">
-                <a:ea typeface="Calibri" panose="020F0502020204030204" pitchFamily="34" charset="0"/>
-                <a:cs typeface="Times New Roman" panose="02020603050405020304" pitchFamily="18" charset="0"/>
-              </a:rPr>
-              <a:t>The notion of system helps us, in a first instance, to delimitate, for example: </a:t>
-            </a:r>
-          </a:p>
-          <a:p>
-            <a:pPr lvl="1">
-              <a:lnSpc>
-                <a:spcPct val="160000"/>
-              </a:lnSpc>
-            </a:pPr>
-            <a:r>
-              <a:rPr lang="en-GB" sz="1700" dirty="0">
-                <a:ea typeface="Calibri" panose="020F0502020204030204" pitchFamily="34" charset="0"/>
-                <a:cs typeface="Times New Roman" panose="02020603050405020304" pitchFamily="18" charset="0"/>
-              </a:rPr>
-              <a:t>A state management mechanism</a:t>
-            </a:r>
-          </a:p>
-          <a:p>
-            <a:pPr lvl="1">
-              <a:lnSpc>
-                <a:spcPct val="160000"/>
-              </a:lnSpc>
-            </a:pPr>
-            <a:r>
-              <a:rPr lang="en-GB" sz="1700" dirty="0">
-                <a:ea typeface="Calibri" panose="020F0502020204030204" pitchFamily="34" charset="0"/>
-                <a:cs typeface="Times New Roman" panose="02020603050405020304" pitchFamily="18" charset="0"/>
-              </a:rPr>
-              <a:t>A way of education at the national level</a:t>
-            </a:r>
-          </a:p>
-          <a:p>
-            <a:pPr lvl="1">
-              <a:lnSpc>
-                <a:spcPct val="160000"/>
-              </a:lnSpc>
-            </a:pPr>
-            <a:r>
-              <a:rPr lang="en-GB" sz="1700" dirty="0">
-                <a:ea typeface="Calibri" panose="020F0502020204030204" pitchFamily="34" charset="0"/>
-                <a:cs typeface="Times New Roman" panose="02020603050405020304" pitchFamily="18" charset="0"/>
-              </a:rPr>
-              <a:t>Part of the components that contribute to the integration of the human body into the environment</a:t>
-            </a:r>
-          </a:p>
-          <a:p>
-            <a:pPr lvl="1">
-              <a:lnSpc>
-                <a:spcPct val="160000"/>
-              </a:lnSpc>
-            </a:pPr>
-            <a:r>
-              <a:rPr lang="en-GB" sz="1700" dirty="0">
-                <a:ea typeface="Calibri" panose="020F0502020204030204" pitchFamily="34" charset="0"/>
-                <a:cs typeface="Times New Roman" panose="02020603050405020304" pitchFamily="18" charset="0"/>
-              </a:rPr>
-              <a:t>The elements necessary to obtain a constant temperature in an enclosure</a:t>
-            </a:r>
-          </a:p>
-          <a:p>
-            <a:pPr lvl="1">
-              <a:lnSpc>
-                <a:spcPct val="160000"/>
-              </a:lnSpc>
-            </a:pPr>
-            <a:r>
-              <a:rPr lang="en-GB" sz="1700" dirty="0">
-                <a:ea typeface="Calibri" panose="020F0502020204030204" pitchFamily="34" charset="0"/>
-                <a:cs typeface="Times New Roman" panose="02020603050405020304" pitchFamily="18" charset="0"/>
-              </a:rPr>
-              <a:t>The elements of a mobile robot, the elements of a robotic manipulator, etc</a:t>
-            </a:r>
-            <a:endParaRPr lang="en-GB" sz="3200" dirty="0">
-              <a:effectLst/>
-              <a:latin typeface="Calibri" panose="020F0502020204030204" pitchFamily="34" charset="0"/>
-              <a:ea typeface="Calibri" panose="020F0502020204030204" pitchFamily="34" charset="0"/>
-              <a:cs typeface="Times New Roman" panose="02020603050405020304" pitchFamily="18" charset="0"/>
-            </a:endParaRPr>
-          </a:p>
-        </p:txBody>
-      </p:sp>
-      <p:sp>
-        <p:nvSpPr>
-          <p:cNvPr id="4" name="Title 3">
-            <a:extLst>
-              <a:ext uri="{FF2B5EF4-FFF2-40B4-BE49-F238E27FC236}">
-                <a16:creationId xmlns:a16="http://schemas.microsoft.com/office/drawing/2014/main" id="{E007D088-2081-9806-F504-D1596FFB5814}"/>
-              </a:ext>
-            </a:extLst>
-          </p:cNvPr>
-          <p:cNvSpPr>
-            <a:spLocks noGrp="1"/>
-          </p:cNvSpPr>
-          <p:nvPr>
-            <p:ph type="title"/>
-          </p:nvPr>
-        </p:nvSpPr>
-        <p:spPr/>
-        <p:txBody>
-          <a:bodyPr/>
-          <a:lstStyle/>
-          <a:p>
-            <a:r>
-              <a:rPr lang="en-US" dirty="0"/>
-              <a:t>Systems:</a:t>
-            </a:r>
-            <a:br>
-              <a:rPr lang="en-US" dirty="0"/>
-            </a:br>
-            <a:r>
-              <a:rPr lang="en-US" dirty="0"/>
-              <a:t>general aspects</a:t>
-            </a:r>
-            <a:endParaRPr lang="en-GB" dirty="0"/>
-          </a:p>
-        </p:txBody>
-      </p:sp>
-      <p:pic>
-        <p:nvPicPr>
-          <p:cNvPr id="33" name="Graphic 32" descr="Network outline">
-            <a:extLst>
-              <a:ext uri="{FF2B5EF4-FFF2-40B4-BE49-F238E27FC236}">
-                <a16:creationId xmlns:a16="http://schemas.microsoft.com/office/drawing/2014/main" id="{F4622DC6-FA55-AE0F-835F-5B50DE7D30AD}"/>
-              </a:ext>
-            </a:extLst>
-          </p:cNvPr>
-          <p:cNvPicPr>
-            <a:picLocks noChangeAspect="1"/>
-          </p:cNvPicPr>
-          <p:nvPr/>
-        </p:nvPicPr>
-        <p:blipFill>
-          <a:blip r:embed="rId2">
-            <a:extLst>
-              <a:ext uri="{28A0092B-C50C-407E-A947-70E740481C1C}">
-                <a14:useLocalDpi xmlns:a14="http://schemas.microsoft.com/office/drawing/2010/main" val="0"/>
-              </a:ext>
-              <a:ext uri="{96DAC541-7B7A-43D3-8B79-37D633B846F1}">
-                <asvg:svgBlip xmlns:asvg="http://schemas.microsoft.com/office/drawing/2016/SVG/main" r:embed="rId3"/>
-              </a:ext>
-            </a:extLst>
-          </a:blip>
-          <a:stretch>
-            <a:fillRect/>
-          </a:stretch>
-        </p:blipFill>
-        <p:spPr>
-          <a:xfrm>
-            <a:off x="8133348" y="2916300"/>
-            <a:ext cx="2069334" cy="2069334"/>
-          </a:xfrm>
-          <a:prstGeom prst="rect">
-            <a:avLst/>
-          </a:prstGeom>
-        </p:spPr>
-      </p:pic>
-      <p:pic>
-        <p:nvPicPr>
-          <p:cNvPr id="41" name="Graphic 40" descr="Thought outline">
-            <a:extLst>
-              <a:ext uri="{FF2B5EF4-FFF2-40B4-BE49-F238E27FC236}">
-                <a16:creationId xmlns:a16="http://schemas.microsoft.com/office/drawing/2014/main" id="{ECC82BA2-D868-1830-5015-32AC908600BA}"/>
-              </a:ext>
-            </a:extLst>
-          </p:cNvPr>
-          <p:cNvPicPr>
-            <a:picLocks noChangeAspect="1"/>
-          </p:cNvPicPr>
-          <p:nvPr/>
-        </p:nvPicPr>
-        <p:blipFill>
-          <a:blip r:embed="rId4">
-            <a:extLst>
-              <a:ext uri="{28A0092B-C50C-407E-A947-70E740481C1C}">
-                <a14:useLocalDpi xmlns:a14="http://schemas.microsoft.com/office/drawing/2010/main" val="0"/>
-              </a:ext>
-              <a:ext uri="{96DAC541-7B7A-43D3-8B79-37D633B846F1}">
-                <asvg:svgBlip xmlns:asvg="http://schemas.microsoft.com/office/drawing/2016/SVG/main" r:embed="rId5"/>
-              </a:ext>
-            </a:extLst>
-          </a:blip>
-          <a:stretch>
-            <a:fillRect/>
-          </a:stretch>
-        </p:blipFill>
-        <p:spPr>
-          <a:xfrm>
-            <a:off x="6497053" y="1825625"/>
-            <a:ext cx="1724878" cy="1724878"/>
-          </a:xfrm>
-          <a:prstGeom prst="rect">
-            <a:avLst/>
-          </a:prstGeom>
-        </p:spPr>
-      </p:pic>
-      <p:pic>
-        <p:nvPicPr>
-          <p:cNvPr id="43" name="Graphic 42" descr="Workflow outline">
-            <a:extLst>
-              <a:ext uri="{FF2B5EF4-FFF2-40B4-BE49-F238E27FC236}">
-                <a16:creationId xmlns:a16="http://schemas.microsoft.com/office/drawing/2014/main" id="{50C158F9-55F5-2CD9-B752-3892253C61D0}"/>
-              </a:ext>
-            </a:extLst>
-          </p:cNvPr>
-          <p:cNvPicPr>
-            <a:picLocks noChangeAspect="1"/>
-          </p:cNvPicPr>
-          <p:nvPr/>
-        </p:nvPicPr>
-        <p:blipFill>
-          <a:blip r:embed="rId6">
-            <a:extLst>
-              <a:ext uri="{28A0092B-C50C-407E-A947-70E740481C1C}">
-                <a14:useLocalDpi xmlns:a14="http://schemas.microsoft.com/office/drawing/2010/main" val="0"/>
-              </a:ext>
-              <a:ext uri="{96DAC541-7B7A-43D3-8B79-37D633B846F1}">
-                <asvg:svgBlip xmlns:asvg="http://schemas.microsoft.com/office/drawing/2016/SVG/main" r:embed="rId7"/>
-              </a:ext>
-            </a:extLst>
-          </a:blip>
-          <a:stretch>
-            <a:fillRect/>
-          </a:stretch>
-        </p:blipFill>
-        <p:spPr>
-          <a:xfrm>
-            <a:off x="10096901" y="5114628"/>
-            <a:ext cx="1549979" cy="1549979"/>
-          </a:xfrm>
-          <a:prstGeom prst="rect">
-            <a:avLst/>
-          </a:prstGeom>
-        </p:spPr>
-      </p:pic>
-    </p:spTree>
-    <p:extLst>
-      <p:ext uri="{BB962C8B-B14F-4D97-AF65-F5344CB8AC3E}">
-        <p14:creationId xmlns:p14="http://schemas.microsoft.com/office/powerpoint/2010/main" val="1551129330"/>
-      </p:ext>
-    </p:extLst>
-  </p:cSld>
-  <p:clrMapOvr>
-    <a:masterClrMapping/>
-  </p:clrMapOvr>
-</p:sld>
-</file>
-
-<file path=ppt/slides/slide30.xml><?xml version="1.0" encoding="utf-8"?>
+<file path=ppt/slides/slide32.xml><?xml version="1.0" encoding="utf-8"?>
 <p:sld xmlns:a="http://schemas.openxmlformats.org/drawingml/2006/main" xmlns:r="http://schemas.openxmlformats.org/officeDocument/2006/relationships" xmlns:p="http://schemas.openxmlformats.org/presentationml/2006/main">
   <p:cSld>
     <p:spTree>
@@ -39280,7 +39342,7 @@
 </p:sld>
 </file>
 
-<file path=ppt/slides/slide31.xml><?xml version="1.0" encoding="utf-8"?>
+<file path=ppt/slides/slide33.xml><?xml version="1.0" encoding="utf-8"?>
 <p:sld xmlns:a="http://schemas.openxmlformats.org/drawingml/2006/main" xmlns:r="http://schemas.openxmlformats.org/officeDocument/2006/relationships" xmlns:p="http://schemas.openxmlformats.org/presentationml/2006/main">
   <p:cSld>
     <p:spTree>
@@ -40935,7 +40997,7 @@
 </p:sld>
 </file>
 
-<file path=ppt/slides/slide32.xml><?xml version="1.0" encoding="utf-8"?>
+<file path=ppt/slides/slide34.xml><?xml version="1.0" encoding="utf-8"?>
 <p:sld xmlns:a="http://schemas.openxmlformats.org/drawingml/2006/main" xmlns:r="http://schemas.openxmlformats.org/officeDocument/2006/relationships" xmlns:p="http://schemas.openxmlformats.org/presentationml/2006/main">
   <p:cSld>
     <p:spTree>
@@ -40993,7 +41055,7 @@
 </p:sld>
 </file>
 
-<file path=ppt/slides/slide33.xml><?xml version="1.0" encoding="utf-8"?>
+<file path=ppt/slides/slide35.xml><?xml version="1.0" encoding="utf-8"?>
 <p:sld xmlns:a="http://schemas.openxmlformats.org/drawingml/2006/main" xmlns:r="http://schemas.openxmlformats.org/officeDocument/2006/relationships" xmlns:p="http://schemas.openxmlformats.org/presentationml/2006/main">
   <p:cSld>
     <p:spTree>
@@ -41079,7 +41141,7 @@
 </p:sld>
 </file>
 
-<file path=ppt/slides/slide34.xml><?xml version="1.0" encoding="utf-8"?>
+<file path=ppt/slides/slide36.xml><?xml version="1.0" encoding="utf-8"?>
 <p:sld xmlns:a="http://schemas.openxmlformats.org/drawingml/2006/main" xmlns:r="http://schemas.openxmlformats.org/officeDocument/2006/relationships" xmlns:p="http://schemas.openxmlformats.org/presentationml/2006/main">
   <p:cSld>
     <p:spTree>
